--- a/ppt/1150310613-黄道龙-1150310609-王陈阳.pptx
+++ b/ppt/1150310613-黄道龙-1150310609-王陈阳.pptx
@@ -2,25 +2,25 @@
 <file path=ppt/presentation.xml><?xml version="1.0" encoding="utf-8"?>
 <p:presentation xmlns:a="http://schemas.openxmlformats.org/drawingml/2006/main" xmlns:r="http://schemas.openxmlformats.org/officeDocument/2006/relationships" xmlns:p="http://schemas.openxmlformats.org/presentationml/2006/main" autoCompressPictures="0">
   <p:sldMasterIdLst>
-    <p:sldMasterId id="2147483669" r:id="rId1"/>
+    <p:sldMasterId id="2147483648" r:id="rId1"/>
   </p:sldMasterIdLst>
   <p:sldIdLst>
-    <p:sldId id="256" r:id="rId2"/>
-    <p:sldId id="259" r:id="rId3"/>
-    <p:sldId id="260" r:id="rId4"/>
-    <p:sldId id="261" r:id="rId5"/>
-    <p:sldId id="262" r:id="rId6"/>
-    <p:sldId id="265" r:id="rId7"/>
+    <p:sldId id="256" r:id="rId3"/>
+    <p:sldId id="259" r:id="rId4"/>
+    <p:sldId id="260" r:id="rId5"/>
+    <p:sldId id="261" r:id="rId6"/>
+    <p:sldId id="262" r:id="rId7"/>
     <p:sldId id="266" r:id="rId8"/>
-    <p:sldId id="263" r:id="rId9"/>
-    <p:sldId id="267" r:id="rId10"/>
-    <p:sldId id="268" r:id="rId11"/>
-    <p:sldId id="269" r:id="rId12"/>
-    <p:sldId id="271" r:id="rId13"/>
-    <p:sldId id="270" r:id="rId14"/>
-    <p:sldId id="272" r:id="rId15"/>
-    <p:sldId id="264" r:id="rId16"/>
-    <p:sldId id="258" r:id="rId17"/>
+    <p:sldId id="276" r:id="rId9"/>
+    <p:sldId id="263" r:id="rId10"/>
+    <p:sldId id="267" r:id="rId11"/>
+    <p:sldId id="268" r:id="rId12"/>
+    <p:sldId id="269" r:id="rId13"/>
+    <p:sldId id="271" r:id="rId14"/>
+    <p:sldId id="270" r:id="rId15"/>
+    <p:sldId id="272" r:id="rId16"/>
+    <p:sldId id="264" r:id="rId17"/>
+    <p:sldId id="258" r:id="rId18"/>
   </p:sldIdLst>
   <p:sldSz cx="12192000" cy="6858000"/>
   <p:notesSz cx="6858000" cy="9144000"/>
@@ -119,16 +119,11 @@
       </a:defRPr>
     </a:lvl9pPr>
   </p:defaultTextStyle>
-  <p:extLst>
-    <p:ext uri="{EFAFB233-063F-42B5-8137-9DF3F51BA10A}">
-      <p15:sldGuideLst xmlns:p15="http://schemas.microsoft.com/office/powerpoint/2012/main"/>
-    </p:ext>
-  </p:extLst>
 </p:presentation>
 </file>
 
 <file path=ppt/slideLayouts/slideLayout1.xml><?xml version="1.0" encoding="utf-8"?>
-<p:sldLayout xmlns:a="http://schemas.openxmlformats.org/drawingml/2006/main" xmlns:r="http://schemas.openxmlformats.org/officeDocument/2006/relationships" xmlns:p="http://schemas.openxmlformats.org/presentationml/2006/main" showMasterSp="0" type="title" preserve="1">
+<p:sldLayout xmlns:a="http://schemas.openxmlformats.org/drawingml/2006/main" xmlns:r="http://schemas.openxmlformats.org/officeDocument/2006/relationships" xmlns:p="http://schemas.openxmlformats.org/presentationml/2006/main" type="title" preserve="1" showMasterSp="0">
   <p:cSld name="标题幻灯片">
     <p:spTree>
       <p:nvGrpSpPr>
@@ -175,15 +170,6 @@
             <a:avLst/>
           </a:prstGeom>
           <a:noFill/>
-          <a:extLst>
-            <a:ext uri="{909E8E84-426E-40dd-AFC4-6F175D3DCCD1}">
-              <a14:hiddenFill xmlns:a14="http://schemas.microsoft.com/office/drawing/2010/main" xmlns="">
-                <a:solidFill>
-                  <a:srgbClr val="FFFFFF"/>
-                </a:solidFill>
-              </a14:hiddenFill>
-            </a:ext>
-          </a:extLst>
         </p:spPr>
       </p:pic>
       <p:grpSp>
@@ -235,18 +221,6 @@
             <a:ln>
               <a:noFill/>
             </a:ln>
-            <a:extLst>
-              <a:ext uri="{91240B29-F687-4f45-9708-019B960494DF}">
-                <a14:hiddenLine xmlns:a14="http://schemas.microsoft.com/office/drawing/2010/main" xmlns="" w="9525">
-                  <a:solidFill>
-                    <a:srgbClr val="000000"/>
-                  </a:solidFill>
-                  <a:miter lim="800000"/>
-                  <a:headEnd/>
-                  <a:tailEnd/>
-                </a14:hiddenLine>
-              </a:ext>
-            </a:extLst>
           </p:spPr>
         </p:sp>
         <p:sp>
@@ -325,18 +299,6 @@
             <a:ln>
               <a:noFill/>
             </a:ln>
-            <a:extLst>
-              <a:ext uri="{91240B29-F687-4f45-9708-019B960494DF}">
-                <a14:hiddenLine xmlns:a14="http://schemas.microsoft.com/office/drawing/2010/main" xmlns="" w="9525">
-                  <a:solidFill>
-                    <a:srgbClr val="000000"/>
-                  </a:solidFill>
-                  <a:round/>
-                  <a:headEnd/>
-                  <a:tailEnd/>
-                </a14:hiddenLine>
-              </a:ext>
-            </a:extLst>
           </p:spPr>
         </p:sp>
         <p:sp>
@@ -415,18 +377,6 @@
             <a:ln>
               <a:noFill/>
             </a:ln>
-            <a:extLst>
-              <a:ext uri="{91240B29-F687-4f45-9708-019B960494DF}">
-                <a14:hiddenLine xmlns:a14="http://schemas.microsoft.com/office/drawing/2010/main" xmlns="" w="9525">
-                  <a:solidFill>
-                    <a:srgbClr val="000000"/>
-                  </a:solidFill>
-                  <a:round/>
-                  <a:headEnd/>
-                  <a:tailEnd/>
-                </a14:hiddenLine>
-              </a:ext>
-            </a:extLst>
           </p:spPr>
         </p:sp>
         <p:sp>
@@ -449,18 +399,6 @@
             <a:ln>
               <a:noFill/>
             </a:ln>
-            <a:extLst>
-              <a:ext uri="{91240B29-F687-4f45-9708-019B960494DF}">
-                <a14:hiddenLine xmlns:a14="http://schemas.microsoft.com/office/drawing/2010/main" xmlns="" w="9525">
-                  <a:solidFill>
-                    <a:srgbClr val="000000"/>
-                  </a:solidFill>
-                  <a:miter lim="800000"/>
-                  <a:headEnd/>
-                  <a:tailEnd/>
-                </a14:hiddenLine>
-              </a:ext>
-            </a:extLst>
           </p:spPr>
         </p:sp>
         <p:sp>
@@ -539,18 +477,6 @@
             <a:ln>
               <a:noFill/>
             </a:ln>
-            <a:extLst>
-              <a:ext uri="{91240B29-F687-4f45-9708-019B960494DF}">
-                <a14:hiddenLine xmlns:a14="http://schemas.microsoft.com/office/drawing/2010/main" xmlns="" w="9525">
-                  <a:solidFill>
-                    <a:srgbClr val="000000"/>
-                  </a:solidFill>
-                  <a:round/>
-                  <a:headEnd/>
-                  <a:tailEnd/>
-                </a14:hiddenLine>
-              </a:ext>
-            </a:extLst>
           </p:spPr>
         </p:sp>
         <p:sp>
@@ -601,18 +527,6 @@
             <a:ln>
               <a:noFill/>
             </a:ln>
-            <a:extLst>
-              <a:ext uri="{91240B29-F687-4f45-9708-019B960494DF}">
-                <a14:hiddenLine xmlns:a14="http://schemas.microsoft.com/office/drawing/2010/main" xmlns="" w="9525">
-                  <a:solidFill>
-                    <a:srgbClr val="000000"/>
-                  </a:solidFill>
-                  <a:round/>
-                  <a:headEnd/>
-                  <a:tailEnd/>
-                </a14:hiddenLine>
-              </a:ext>
-            </a:extLst>
           </p:spPr>
         </p:sp>
         <p:sp>
@@ -663,18 +577,6 @@
             <a:ln>
               <a:noFill/>
             </a:ln>
-            <a:extLst>
-              <a:ext uri="{91240B29-F687-4f45-9708-019B960494DF}">
-                <a14:hiddenLine xmlns:a14="http://schemas.microsoft.com/office/drawing/2010/main" xmlns="" w="9525">
-                  <a:solidFill>
-                    <a:srgbClr val="000000"/>
-                  </a:solidFill>
-                  <a:round/>
-                  <a:headEnd/>
-                  <a:tailEnd/>
-                </a14:hiddenLine>
-              </a:ext>
-            </a:extLst>
           </p:spPr>
         </p:sp>
         <p:sp>
@@ -753,18 +655,6 @@
             <a:ln>
               <a:noFill/>
             </a:ln>
-            <a:extLst>
-              <a:ext uri="{91240B29-F687-4f45-9708-019B960494DF}">
-                <a14:hiddenLine xmlns:a14="http://schemas.microsoft.com/office/drawing/2010/main" xmlns="" w="9525">
-                  <a:solidFill>
-                    <a:srgbClr val="000000"/>
-                  </a:solidFill>
-                  <a:round/>
-                  <a:headEnd/>
-                  <a:tailEnd/>
-                </a14:hiddenLine>
-              </a:ext>
-            </a:extLst>
           </p:spPr>
         </p:sp>
         <p:sp>
@@ -815,18 +705,6 @@
             <a:ln>
               <a:noFill/>
             </a:ln>
-            <a:extLst>
-              <a:ext uri="{91240B29-F687-4f45-9708-019B960494DF}">
-                <a14:hiddenLine xmlns:a14="http://schemas.microsoft.com/office/drawing/2010/main" xmlns="" w="9525">
-                  <a:solidFill>
-                    <a:srgbClr val="000000"/>
-                  </a:solidFill>
-                  <a:round/>
-                  <a:headEnd/>
-                  <a:tailEnd/>
-                </a14:hiddenLine>
-              </a:ext>
-            </a:extLst>
           </p:spPr>
         </p:sp>
         <p:sp>
@@ -877,18 +755,6 @@
             <a:ln>
               <a:noFill/>
             </a:ln>
-            <a:extLst>
-              <a:ext uri="{91240B29-F687-4f45-9708-019B960494DF}">
-                <a14:hiddenLine xmlns:a14="http://schemas.microsoft.com/office/drawing/2010/main" xmlns="" w="9525">
-                  <a:solidFill>
-                    <a:srgbClr val="000000"/>
-                  </a:solidFill>
-                  <a:round/>
-                  <a:headEnd/>
-                  <a:tailEnd/>
-                </a14:hiddenLine>
-              </a:ext>
-            </a:extLst>
           </p:spPr>
         </p:sp>
         <p:sp>
@@ -967,18 +833,6 @@
             <a:ln>
               <a:noFill/>
             </a:ln>
-            <a:extLst>
-              <a:ext uri="{91240B29-F687-4f45-9708-019B960494DF}">
-                <a14:hiddenLine xmlns:a14="http://schemas.microsoft.com/office/drawing/2010/main" xmlns="" w="9525">
-                  <a:solidFill>
-                    <a:srgbClr val="000000"/>
-                  </a:solidFill>
-                  <a:round/>
-                  <a:headEnd/>
-                  <a:tailEnd/>
-                </a14:hiddenLine>
-              </a:ext>
-            </a:extLst>
           </p:spPr>
         </p:sp>
         <p:sp>
@@ -1057,18 +911,6 @@
             <a:ln>
               <a:noFill/>
             </a:ln>
-            <a:extLst>
-              <a:ext uri="{91240B29-F687-4f45-9708-019B960494DF}">
-                <a14:hiddenLine xmlns:a14="http://schemas.microsoft.com/office/drawing/2010/main" xmlns="" w="9525">
-                  <a:solidFill>
-                    <a:srgbClr val="000000"/>
-                  </a:solidFill>
-                  <a:round/>
-                  <a:headEnd/>
-                  <a:tailEnd/>
-                </a14:hiddenLine>
-              </a:ext>
-            </a:extLst>
           </p:spPr>
         </p:sp>
         <p:sp>
@@ -1119,18 +961,6 @@
             <a:ln>
               <a:noFill/>
             </a:ln>
-            <a:extLst>
-              <a:ext uri="{91240B29-F687-4f45-9708-019B960494DF}">
-                <a14:hiddenLine xmlns:a14="http://schemas.microsoft.com/office/drawing/2010/main" xmlns="" w="9525">
-                  <a:solidFill>
-                    <a:srgbClr val="000000"/>
-                  </a:solidFill>
-                  <a:round/>
-                  <a:headEnd/>
-                  <a:tailEnd/>
-                </a14:hiddenLine>
-              </a:ext>
-            </a:extLst>
           </p:spPr>
         </p:sp>
         <p:sp>
@@ -1229,18 +1059,6 @@
             <a:ln>
               <a:noFill/>
             </a:ln>
-            <a:extLst>
-              <a:ext uri="{91240B29-F687-4f45-9708-019B960494DF}">
-                <a14:hiddenLine xmlns:a14="http://schemas.microsoft.com/office/drawing/2010/main" xmlns="" w="9525">
-                  <a:solidFill>
-                    <a:srgbClr val="000000"/>
-                  </a:solidFill>
-                  <a:round/>
-                  <a:headEnd/>
-                  <a:tailEnd/>
-                </a14:hiddenLine>
-              </a:ext>
-            </a:extLst>
           </p:spPr>
         </p:sp>
         <p:sp>
@@ -1291,18 +1109,6 @@
             <a:ln>
               <a:noFill/>
             </a:ln>
-            <a:extLst>
-              <a:ext uri="{91240B29-F687-4f45-9708-019B960494DF}">
-                <a14:hiddenLine xmlns:a14="http://schemas.microsoft.com/office/drawing/2010/main" xmlns="" w="9525">
-                  <a:solidFill>
-                    <a:srgbClr val="000000"/>
-                  </a:solidFill>
-                  <a:round/>
-                  <a:headEnd/>
-                  <a:tailEnd/>
-                </a14:hiddenLine>
-              </a:ext>
-            </a:extLst>
           </p:spPr>
         </p:sp>
         <p:sp>
@@ -1381,18 +1187,6 @@
             <a:ln>
               <a:noFill/>
             </a:ln>
-            <a:extLst>
-              <a:ext uri="{91240B29-F687-4f45-9708-019B960494DF}">
-                <a14:hiddenLine xmlns:a14="http://schemas.microsoft.com/office/drawing/2010/main" xmlns="" w="9525">
-                  <a:solidFill>
-                    <a:srgbClr val="000000"/>
-                  </a:solidFill>
-                  <a:round/>
-                  <a:headEnd/>
-                  <a:tailEnd/>
-                </a14:hiddenLine>
-              </a:ext>
-            </a:extLst>
           </p:spPr>
         </p:sp>
         <p:sp>
@@ -1471,18 +1265,6 @@
             <a:ln>
               <a:noFill/>
             </a:ln>
-            <a:extLst>
-              <a:ext uri="{91240B29-F687-4f45-9708-019B960494DF}">
-                <a14:hiddenLine xmlns:a14="http://schemas.microsoft.com/office/drawing/2010/main" xmlns="" w="9525">
-                  <a:solidFill>
-                    <a:srgbClr val="000000"/>
-                  </a:solidFill>
-                  <a:round/>
-                  <a:headEnd/>
-                  <a:tailEnd/>
-                </a14:hiddenLine>
-              </a:ext>
-            </a:extLst>
           </p:spPr>
         </p:sp>
         <p:sp>
@@ -1533,18 +1315,6 @@
             <a:ln>
               <a:noFill/>
             </a:ln>
-            <a:extLst>
-              <a:ext uri="{91240B29-F687-4f45-9708-019B960494DF}">
-                <a14:hiddenLine xmlns:a14="http://schemas.microsoft.com/office/drawing/2010/main" xmlns="" w="9525">
-                  <a:solidFill>
-                    <a:srgbClr val="000000"/>
-                  </a:solidFill>
-                  <a:round/>
-                  <a:headEnd/>
-                  <a:tailEnd/>
-                </a14:hiddenLine>
-              </a:ext>
-            </a:extLst>
           </p:spPr>
         </p:sp>
         <p:sp>
@@ -1623,18 +1393,6 @@
             <a:ln>
               <a:noFill/>
             </a:ln>
-            <a:extLst>
-              <a:ext uri="{91240B29-F687-4f45-9708-019B960494DF}">
-                <a14:hiddenLine xmlns:a14="http://schemas.microsoft.com/office/drawing/2010/main" xmlns="" w="9525">
-                  <a:solidFill>
-                    <a:srgbClr val="000000"/>
-                  </a:solidFill>
-                  <a:round/>
-                  <a:headEnd/>
-                  <a:tailEnd/>
-                </a14:hiddenLine>
-              </a:ext>
-            </a:extLst>
           </p:spPr>
         </p:sp>
         <p:sp>
@@ -1713,18 +1471,6 @@
             <a:ln>
               <a:noFill/>
             </a:ln>
-            <a:extLst>
-              <a:ext uri="{91240B29-F687-4f45-9708-019B960494DF}">
-                <a14:hiddenLine xmlns:a14="http://schemas.microsoft.com/office/drawing/2010/main" xmlns="" w="9525">
-                  <a:solidFill>
-                    <a:srgbClr val="000000"/>
-                  </a:solidFill>
-                  <a:round/>
-                  <a:headEnd/>
-                  <a:tailEnd/>
-                </a14:hiddenLine>
-              </a:ext>
-            </a:extLst>
           </p:spPr>
         </p:sp>
         <p:sp>
@@ -1769,18 +1515,6 @@
             <a:ln>
               <a:noFill/>
             </a:ln>
-            <a:extLst>
-              <a:ext uri="{91240B29-F687-4f45-9708-019B960494DF}">
-                <a14:hiddenLine xmlns:a14="http://schemas.microsoft.com/office/drawing/2010/main" xmlns="" w="9525">
-                  <a:solidFill>
-                    <a:srgbClr val="000000"/>
-                  </a:solidFill>
-                  <a:round/>
-                  <a:headEnd/>
-                  <a:tailEnd/>
-                </a14:hiddenLine>
-              </a:ext>
-            </a:extLst>
           </p:spPr>
         </p:sp>
         <p:sp>
@@ -1859,18 +1593,6 @@
             <a:ln>
               <a:noFill/>
             </a:ln>
-            <a:extLst>
-              <a:ext uri="{91240B29-F687-4f45-9708-019B960494DF}">
-                <a14:hiddenLine xmlns:a14="http://schemas.microsoft.com/office/drawing/2010/main" xmlns="" w="9525">
-                  <a:solidFill>
-                    <a:srgbClr val="000000"/>
-                  </a:solidFill>
-                  <a:round/>
-                  <a:headEnd/>
-                  <a:tailEnd/>
-                </a14:hiddenLine>
-              </a:ext>
-            </a:extLst>
           </p:spPr>
         </p:sp>
         <p:sp>
@@ -1915,18 +1637,6 @@
             <a:ln>
               <a:noFill/>
             </a:ln>
-            <a:extLst>
-              <a:ext uri="{91240B29-F687-4f45-9708-019B960494DF}">
-                <a14:hiddenLine xmlns:a14="http://schemas.microsoft.com/office/drawing/2010/main" xmlns="" w="9525">
-                  <a:solidFill>
-                    <a:srgbClr val="000000"/>
-                  </a:solidFill>
-                  <a:round/>
-                  <a:headEnd/>
-                  <a:tailEnd/>
-                </a14:hiddenLine>
-              </a:ext>
-            </a:extLst>
           </p:spPr>
         </p:sp>
         <p:sp>
@@ -2005,18 +1715,6 @@
             <a:ln>
               <a:noFill/>
             </a:ln>
-            <a:extLst>
-              <a:ext uri="{91240B29-F687-4f45-9708-019B960494DF}">
-                <a14:hiddenLine xmlns:a14="http://schemas.microsoft.com/office/drawing/2010/main" xmlns="" w="9525">
-                  <a:solidFill>
-                    <a:srgbClr val="000000"/>
-                  </a:solidFill>
-                  <a:round/>
-                  <a:headEnd/>
-                  <a:tailEnd/>
-                </a14:hiddenLine>
-              </a:ext>
-            </a:extLst>
           </p:spPr>
         </p:sp>
         <p:sp>
@@ -2073,18 +1771,6 @@
             <a:ln>
               <a:noFill/>
             </a:ln>
-            <a:extLst>
-              <a:ext uri="{91240B29-F687-4f45-9708-019B960494DF}">
-                <a14:hiddenLine xmlns:a14="http://schemas.microsoft.com/office/drawing/2010/main" xmlns="" w="9525">
-                  <a:solidFill>
-                    <a:srgbClr val="000000"/>
-                  </a:solidFill>
-                  <a:round/>
-                  <a:headEnd/>
-                  <a:tailEnd/>
-                </a14:hiddenLine>
-              </a:ext>
-            </a:extLst>
           </p:spPr>
         </p:sp>
         <p:sp>
@@ -2163,18 +1849,6 @@
             <a:ln>
               <a:noFill/>
             </a:ln>
-            <a:extLst>
-              <a:ext uri="{91240B29-F687-4f45-9708-019B960494DF}">
-                <a14:hiddenLine xmlns:a14="http://schemas.microsoft.com/office/drawing/2010/main" xmlns="" w="9525">
-                  <a:solidFill>
-                    <a:srgbClr val="000000"/>
-                  </a:solidFill>
-                  <a:round/>
-                  <a:headEnd/>
-                  <a:tailEnd/>
-                </a14:hiddenLine>
-              </a:ext>
-            </a:extLst>
           </p:spPr>
         </p:sp>
         <p:sp>
@@ -2231,18 +1905,6 @@
             <a:ln>
               <a:noFill/>
             </a:ln>
-            <a:extLst>
-              <a:ext uri="{91240B29-F687-4f45-9708-019B960494DF}">
-                <a14:hiddenLine xmlns:a14="http://schemas.microsoft.com/office/drawing/2010/main" xmlns="" w="9525">
-                  <a:solidFill>
-                    <a:srgbClr val="000000"/>
-                  </a:solidFill>
-                  <a:round/>
-                  <a:headEnd/>
-                  <a:tailEnd/>
-                </a14:hiddenLine>
-              </a:ext>
-            </a:extLst>
           </p:spPr>
         </p:sp>
         <p:sp>
@@ -2321,18 +1983,6 @@
             <a:ln>
               <a:noFill/>
             </a:ln>
-            <a:extLst>
-              <a:ext uri="{91240B29-F687-4f45-9708-019B960494DF}">
-                <a14:hiddenLine xmlns:a14="http://schemas.microsoft.com/office/drawing/2010/main" xmlns="" w="9525">
-                  <a:solidFill>
-                    <a:srgbClr val="000000"/>
-                  </a:solidFill>
-                  <a:round/>
-                  <a:headEnd/>
-                  <a:tailEnd/>
-                </a14:hiddenLine>
-              </a:ext>
-            </a:extLst>
           </p:spPr>
         </p:sp>
         <p:sp>
@@ -2355,18 +2005,6 @@
             <a:ln>
               <a:noFill/>
             </a:ln>
-            <a:extLst>
-              <a:ext uri="{91240B29-F687-4f45-9708-019B960494DF}">
-                <a14:hiddenLine xmlns:a14="http://schemas.microsoft.com/office/drawing/2010/main" xmlns="" w="9525">
-                  <a:solidFill>
-                    <a:srgbClr val="000000"/>
-                  </a:solidFill>
-                  <a:miter lim="800000"/>
-                  <a:headEnd/>
-                  <a:tailEnd/>
-                </a14:hiddenLine>
-              </a:ext>
-            </a:extLst>
           </p:spPr>
         </p:sp>
         <p:sp>
@@ -2445,18 +2083,6 @@
             <a:ln>
               <a:noFill/>
             </a:ln>
-            <a:extLst>
-              <a:ext uri="{91240B29-F687-4f45-9708-019B960494DF}">
-                <a14:hiddenLine xmlns:a14="http://schemas.microsoft.com/office/drawing/2010/main" xmlns="" w="9525">
-                  <a:solidFill>
-                    <a:srgbClr val="000000"/>
-                  </a:solidFill>
-                  <a:round/>
-                  <a:headEnd/>
-                  <a:tailEnd/>
-                </a14:hiddenLine>
-              </a:ext>
-            </a:extLst>
           </p:spPr>
         </p:sp>
         <p:sp>
@@ -2507,18 +2133,6 @@
             <a:ln>
               <a:noFill/>
             </a:ln>
-            <a:extLst>
-              <a:ext uri="{91240B29-F687-4f45-9708-019B960494DF}">
-                <a14:hiddenLine xmlns:a14="http://schemas.microsoft.com/office/drawing/2010/main" xmlns="" w="9525">
-                  <a:solidFill>
-                    <a:srgbClr val="000000"/>
-                  </a:solidFill>
-                  <a:round/>
-                  <a:headEnd/>
-                  <a:tailEnd/>
-                </a14:hiddenLine>
-              </a:ext>
-            </a:extLst>
           </p:spPr>
         </p:sp>
         <p:sp>
@@ -2569,18 +2183,6 @@
             <a:ln>
               <a:noFill/>
             </a:ln>
-            <a:extLst>
-              <a:ext uri="{91240B29-F687-4f45-9708-019B960494DF}">
-                <a14:hiddenLine xmlns:a14="http://schemas.microsoft.com/office/drawing/2010/main" xmlns="" w="9525">
-                  <a:solidFill>
-                    <a:srgbClr val="000000"/>
-                  </a:solidFill>
-                  <a:round/>
-                  <a:headEnd/>
-                  <a:tailEnd/>
-                </a14:hiddenLine>
-              </a:ext>
-            </a:extLst>
           </p:spPr>
         </p:sp>
         <p:sp>
@@ -2659,18 +2261,6 @@
             <a:ln>
               <a:noFill/>
             </a:ln>
-            <a:extLst>
-              <a:ext uri="{91240B29-F687-4f45-9708-019B960494DF}">
-                <a14:hiddenLine xmlns:a14="http://schemas.microsoft.com/office/drawing/2010/main" xmlns="" w="9525">
-                  <a:solidFill>
-                    <a:srgbClr val="000000"/>
-                  </a:solidFill>
-                  <a:round/>
-                  <a:headEnd/>
-                  <a:tailEnd/>
-                </a14:hiddenLine>
-              </a:ext>
-            </a:extLst>
           </p:spPr>
         </p:sp>
         <p:sp>
@@ -2727,18 +2317,6 @@
             <a:ln>
               <a:noFill/>
             </a:ln>
-            <a:extLst>
-              <a:ext uri="{91240B29-F687-4f45-9708-019B960494DF}">
-                <a14:hiddenLine xmlns:a14="http://schemas.microsoft.com/office/drawing/2010/main" xmlns="" w="9525">
-                  <a:solidFill>
-                    <a:srgbClr val="000000"/>
-                  </a:solidFill>
-                  <a:round/>
-                  <a:headEnd/>
-                  <a:tailEnd/>
-                </a14:hiddenLine>
-              </a:ext>
-            </a:extLst>
           </p:spPr>
         </p:sp>
         <p:sp>
@@ -2789,18 +2367,6 @@
             <a:ln>
               <a:noFill/>
             </a:ln>
-            <a:extLst>
-              <a:ext uri="{91240B29-F687-4f45-9708-019B960494DF}">
-                <a14:hiddenLine xmlns:a14="http://schemas.microsoft.com/office/drawing/2010/main" xmlns="" w="9525">
-                  <a:solidFill>
-                    <a:srgbClr val="000000"/>
-                  </a:solidFill>
-                  <a:round/>
-                  <a:headEnd/>
-                  <a:tailEnd/>
-                </a14:hiddenLine>
-              </a:ext>
-            </a:extLst>
           </p:spPr>
         </p:sp>
         <p:sp>
@@ -2879,18 +2445,6 @@
             <a:ln>
               <a:noFill/>
             </a:ln>
-            <a:extLst>
-              <a:ext uri="{91240B29-F687-4f45-9708-019B960494DF}">
-                <a14:hiddenLine xmlns:a14="http://schemas.microsoft.com/office/drawing/2010/main" xmlns="" w="9525">
-                  <a:solidFill>
-                    <a:srgbClr val="000000"/>
-                  </a:solidFill>
-                  <a:round/>
-                  <a:headEnd/>
-                  <a:tailEnd/>
-                </a14:hiddenLine>
-              </a:ext>
-            </a:extLst>
           </p:spPr>
         </p:sp>
         <p:sp>
@@ -2941,18 +2495,6 @@
             <a:ln>
               <a:noFill/>
             </a:ln>
-            <a:extLst>
-              <a:ext uri="{91240B29-F687-4f45-9708-019B960494DF}">
-                <a14:hiddenLine xmlns:a14="http://schemas.microsoft.com/office/drawing/2010/main" xmlns="" w="9525">
-                  <a:solidFill>
-                    <a:srgbClr val="000000"/>
-                  </a:solidFill>
-                  <a:round/>
-                  <a:headEnd/>
-                  <a:tailEnd/>
-                </a14:hiddenLine>
-              </a:ext>
-            </a:extLst>
           </p:spPr>
         </p:sp>
         <p:sp>
@@ -3031,18 +2573,6 @@
             <a:ln>
               <a:noFill/>
             </a:ln>
-            <a:extLst>
-              <a:ext uri="{91240B29-F687-4f45-9708-019B960494DF}">
-                <a14:hiddenLine xmlns:a14="http://schemas.microsoft.com/office/drawing/2010/main" xmlns="" w="9525">
-                  <a:solidFill>
-                    <a:srgbClr val="000000"/>
-                  </a:solidFill>
-                  <a:round/>
-                  <a:headEnd/>
-                  <a:tailEnd/>
-                </a14:hiddenLine>
-              </a:ext>
-            </a:extLst>
           </p:spPr>
         </p:sp>
         <p:sp>
@@ -3093,18 +2623,6 @@
             <a:ln>
               <a:noFill/>
             </a:ln>
-            <a:extLst>
-              <a:ext uri="{91240B29-F687-4f45-9708-019B960494DF}">
-                <a14:hiddenLine xmlns:a14="http://schemas.microsoft.com/office/drawing/2010/main" xmlns="" w="9525">
-                  <a:solidFill>
-                    <a:srgbClr val="000000"/>
-                  </a:solidFill>
-                  <a:round/>
-                  <a:headEnd/>
-                  <a:tailEnd/>
-                </a14:hiddenLine>
-              </a:ext>
-            </a:extLst>
           </p:spPr>
         </p:sp>
         <p:sp>
@@ -3183,18 +2701,6 @@
             <a:ln>
               <a:noFill/>
             </a:ln>
-            <a:extLst>
-              <a:ext uri="{91240B29-F687-4f45-9708-019B960494DF}">
-                <a14:hiddenLine xmlns:a14="http://schemas.microsoft.com/office/drawing/2010/main" xmlns="" w="9525">
-                  <a:solidFill>
-                    <a:srgbClr val="000000"/>
-                  </a:solidFill>
-                  <a:round/>
-                  <a:headEnd/>
-                  <a:tailEnd/>
-                </a14:hiddenLine>
-              </a:ext>
-            </a:extLst>
           </p:spPr>
         </p:sp>
         <p:sp>
@@ -3217,18 +2723,6 @@
             <a:ln>
               <a:noFill/>
             </a:ln>
-            <a:extLst>
-              <a:ext uri="{91240B29-F687-4f45-9708-019B960494DF}">
-                <a14:hiddenLine xmlns:a14="http://schemas.microsoft.com/office/drawing/2010/main" xmlns="" w="9525">
-                  <a:solidFill>
-                    <a:srgbClr val="000000"/>
-                  </a:solidFill>
-                  <a:miter lim="800000"/>
-                  <a:headEnd/>
-                  <a:tailEnd/>
-                </a14:hiddenLine>
-              </a:ext>
-            </a:extLst>
           </p:spPr>
         </p:sp>
         <p:sp>
@@ -3282,18 +2776,6 @@
             <a:ln>
               <a:noFill/>
             </a:ln>
-            <a:extLst>
-              <a:ext uri="{91240B29-F687-4f45-9708-019B960494DF}">
-                <a14:hiddenLine xmlns:a14="http://schemas.microsoft.com/office/drawing/2010/main" xmlns="" w="9525">
-                  <a:solidFill>
-                    <a:srgbClr val="000000"/>
-                  </a:solidFill>
-                  <a:round/>
-                  <a:headEnd/>
-                  <a:tailEnd/>
-                </a14:hiddenLine>
-              </a:ext>
-            </a:extLst>
           </p:spPr>
         </p:sp>
         <p:sp>
@@ -3372,18 +2854,6 @@
             <a:ln>
               <a:noFill/>
             </a:ln>
-            <a:extLst>
-              <a:ext uri="{91240B29-F687-4f45-9708-019B960494DF}">
-                <a14:hiddenLine xmlns:a14="http://schemas.microsoft.com/office/drawing/2010/main" xmlns="" w="9525">
-                  <a:solidFill>
-                    <a:srgbClr val="000000"/>
-                  </a:solidFill>
-                  <a:round/>
-                  <a:headEnd/>
-                  <a:tailEnd/>
-                </a14:hiddenLine>
-              </a:ext>
-            </a:extLst>
           </p:spPr>
         </p:sp>
         <p:sp>
@@ -3434,18 +2904,6 @@
             <a:ln>
               <a:noFill/>
             </a:ln>
-            <a:extLst>
-              <a:ext uri="{91240B29-F687-4f45-9708-019B960494DF}">
-                <a14:hiddenLine xmlns:a14="http://schemas.microsoft.com/office/drawing/2010/main" xmlns="" w="9525">
-                  <a:solidFill>
-                    <a:srgbClr val="000000"/>
-                  </a:solidFill>
-                  <a:round/>
-                  <a:headEnd/>
-                  <a:tailEnd/>
-                </a14:hiddenLine>
-              </a:ext>
-            </a:extLst>
           </p:spPr>
         </p:sp>
         <p:sp>
@@ -3524,18 +2982,6 @@
             <a:ln>
               <a:noFill/>
             </a:ln>
-            <a:extLst>
-              <a:ext uri="{91240B29-F687-4f45-9708-019B960494DF}">
-                <a14:hiddenLine xmlns:a14="http://schemas.microsoft.com/office/drawing/2010/main" xmlns="" w="9525">
-                  <a:solidFill>
-                    <a:srgbClr val="000000"/>
-                  </a:solidFill>
-                  <a:round/>
-                  <a:headEnd/>
-                  <a:tailEnd/>
-                </a14:hiddenLine>
-              </a:ext>
-            </a:extLst>
           </p:spPr>
         </p:sp>
         <p:sp>
@@ -3614,18 +3060,6 @@
             <a:ln>
               <a:noFill/>
             </a:ln>
-            <a:extLst>
-              <a:ext uri="{91240B29-F687-4f45-9708-019B960494DF}">
-                <a14:hiddenLine xmlns:a14="http://schemas.microsoft.com/office/drawing/2010/main" xmlns="" w="9525">
-                  <a:solidFill>
-                    <a:srgbClr val="000000"/>
-                  </a:solidFill>
-                  <a:round/>
-                  <a:headEnd/>
-                  <a:tailEnd/>
-                </a14:hiddenLine>
-              </a:ext>
-            </a:extLst>
           </p:spPr>
         </p:sp>
         <p:sp>
@@ -3679,18 +3113,6 @@
             <a:ln>
               <a:noFill/>
             </a:ln>
-            <a:extLst>
-              <a:ext uri="{91240B29-F687-4f45-9708-019B960494DF}">
-                <a14:hiddenLine xmlns:a14="http://schemas.microsoft.com/office/drawing/2010/main" xmlns="" w="9525">
-                  <a:solidFill>
-                    <a:srgbClr val="000000"/>
-                  </a:solidFill>
-                  <a:round/>
-                  <a:headEnd/>
-                  <a:tailEnd/>
-                </a14:hiddenLine>
-              </a:ext>
-            </a:extLst>
           </p:spPr>
         </p:sp>
         <p:sp>
@@ -3741,18 +3163,6 @@
             <a:ln>
               <a:noFill/>
             </a:ln>
-            <a:extLst>
-              <a:ext uri="{91240B29-F687-4f45-9708-019B960494DF}">
-                <a14:hiddenLine xmlns:a14="http://schemas.microsoft.com/office/drawing/2010/main" xmlns="" w="9525">
-                  <a:solidFill>
-                    <a:srgbClr val="000000"/>
-                  </a:solidFill>
-                  <a:round/>
-                  <a:headEnd/>
-                  <a:tailEnd/>
-                </a14:hiddenLine>
-              </a:ext>
-            </a:extLst>
           </p:spPr>
         </p:sp>
         <p:sp>
@@ -3831,18 +3241,6 @@
             <a:ln>
               <a:noFill/>
             </a:ln>
-            <a:extLst>
-              <a:ext uri="{91240B29-F687-4f45-9708-019B960494DF}">
-                <a14:hiddenLine xmlns:a14="http://schemas.microsoft.com/office/drawing/2010/main" xmlns="" w="9525">
-                  <a:solidFill>
-                    <a:srgbClr val="000000"/>
-                  </a:solidFill>
-                  <a:round/>
-                  <a:headEnd/>
-                  <a:tailEnd/>
-                </a14:hiddenLine>
-              </a:ext>
-            </a:extLst>
           </p:spPr>
         </p:sp>
         <p:sp>
@@ -3921,18 +3319,6 @@
             <a:ln>
               <a:noFill/>
             </a:ln>
-            <a:extLst>
-              <a:ext uri="{91240B29-F687-4f45-9708-019B960494DF}">
-                <a14:hiddenLine xmlns:a14="http://schemas.microsoft.com/office/drawing/2010/main" xmlns="" w="9525">
-                  <a:solidFill>
-                    <a:srgbClr val="000000"/>
-                  </a:solidFill>
-                  <a:round/>
-                  <a:headEnd/>
-                  <a:tailEnd/>
-                </a14:hiddenLine>
-              </a:ext>
-            </a:extLst>
           </p:spPr>
         </p:sp>
         <p:sp>
@@ -3983,18 +3369,6 @@
             <a:ln>
               <a:noFill/>
             </a:ln>
-            <a:extLst>
-              <a:ext uri="{91240B29-F687-4f45-9708-019B960494DF}">
-                <a14:hiddenLine xmlns:a14="http://schemas.microsoft.com/office/drawing/2010/main" xmlns="" w="9525">
-                  <a:solidFill>
-                    <a:srgbClr val="000000"/>
-                  </a:solidFill>
-                  <a:round/>
-                  <a:headEnd/>
-                  <a:tailEnd/>
-                </a14:hiddenLine>
-              </a:ext>
-            </a:extLst>
           </p:spPr>
         </p:sp>
         <p:sp>
@@ -4103,18 +3477,6 @@
             <a:ln>
               <a:noFill/>
             </a:ln>
-            <a:extLst>
-              <a:ext uri="{91240B29-F687-4f45-9708-019B960494DF}">
-                <a14:hiddenLine xmlns:a14="http://schemas.microsoft.com/office/drawing/2010/main" xmlns="" w="9525">
-                  <a:solidFill>
-                    <a:srgbClr val="000000"/>
-                  </a:solidFill>
-                  <a:round/>
-                  <a:headEnd/>
-                  <a:tailEnd/>
-                </a14:hiddenLine>
-              </a:ext>
-            </a:extLst>
           </p:spPr>
         </p:sp>
         <p:sp>
@@ -4171,18 +3533,6 @@
             <a:ln>
               <a:noFill/>
             </a:ln>
-            <a:extLst>
-              <a:ext uri="{91240B29-F687-4f45-9708-019B960494DF}">
-                <a14:hiddenLine xmlns:a14="http://schemas.microsoft.com/office/drawing/2010/main" xmlns="" w="9525">
-                  <a:solidFill>
-                    <a:srgbClr val="000000"/>
-                  </a:solidFill>
-                  <a:round/>
-                  <a:headEnd/>
-                  <a:tailEnd/>
-                </a14:hiddenLine>
-              </a:ext>
-            </a:extLst>
           </p:spPr>
         </p:sp>
         <p:sp>
@@ -4261,18 +3611,6 @@
             <a:ln>
               <a:noFill/>
             </a:ln>
-            <a:extLst>
-              <a:ext uri="{91240B29-F687-4f45-9708-019B960494DF}">
-                <a14:hiddenLine xmlns:a14="http://schemas.microsoft.com/office/drawing/2010/main" xmlns="" w="9525">
-                  <a:solidFill>
-                    <a:srgbClr val="000000"/>
-                  </a:solidFill>
-                  <a:round/>
-                  <a:headEnd/>
-                  <a:tailEnd/>
-                </a14:hiddenLine>
-              </a:ext>
-            </a:extLst>
           </p:spPr>
         </p:sp>
       </p:grpSp>
@@ -4403,7 +3741,6 @@
           <a:p>
             <a:fld id="{48A87A34-81AB-432B-8DAE-1953F412C126}" type="datetimeFigureOut">
               <a:rPr lang="en-US" smtClean="0"/>
-              <a:t>5/21/2019</a:t>
             </a:fld>
             <a:endParaRPr lang="en-US" dirty="0"/>
           </a:p>
@@ -4455,18 +3792,12 @@
           <a:p>
             <a:fld id="{6D22F896-40B5-4ADD-8801-0D06FADFA095}" type="slidenum">
               <a:rPr lang="en-US" smtClean="0"/>
-              <a:t>‹#›</a:t>
             </a:fld>
             <a:endParaRPr lang="en-US" dirty="0"/>
           </a:p>
         </p:txBody>
       </p:sp>
     </p:spTree>
-    <p:extLst>
-      <p:ext uri="{BB962C8B-B14F-4D97-AF65-F5344CB8AC3E}">
-        <p14:creationId xmlns:p14="http://schemas.microsoft.com/office/powerpoint/2010/main" val="1981109492"/>
-      </p:ext>
-    </p:extLst>
   </p:cSld>
   <p:clrMapOvr>
     <a:masterClrMapping/>
@@ -4650,6 +3981,7 @@
               <a:rPr lang="zh-CN" altLang="en-US"/>
               <a:t>单击此处编辑母版文本样式</a:t>
             </a:r>
+            <a:endParaRPr lang="zh-CN" altLang="en-US"/>
           </a:p>
         </p:txBody>
       </p:sp>
@@ -4670,7 +4002,6 @@
           <a:p>
             <a:fld id="{48A87A34-81AB-432B-8DAE-1953F412C126}" type="datetimeFigureOut">
               <a:rPr lang="en-US" smtClean="0"/>
-              <a:t>5/21/2019</a:t>
             </a:fld>
             <a:endParaRPr lang="en-US" dirty="0"/>
           </a:p>
@@ -4712,18 +4043,12 @@
           <a:p>
             <a:fld id="{6D22F896-40B5-4ADD-8801-0D06FADFA095}" type="slidenum">
               <a:rPr lang="en-US" smtClean="0"/>
-              <a:t>‹#›</a:t>
             </a:fld>
             <a:endParaRPr lang="en-US" dirty="0"/>
           </a:p>
         </p:txBody>
       </p:sp>
     </p:spTree>
-    <p:extLst>
-      <p:ext uri="{BB962C8B-B14F-4D97-AF65-F5344CB8AC3E}">
-        <p14:creationId xmlns:p14="http://schemas.microsoft.com/office/powerpoint/2010/main" val="2077462721"/>
-      </p:ext>
-    </p:extLst>
   </p:cSld>
   <p:clrMapOvr>
     <a:masterClrMapping/>
@@ -4846,6 +4171,7 @@
               <a:rPr lang="zh-CN" altLang="en-US"/>
               <a:t>单击此处编辑母版文本样式</a:t>
             </a:r>
+            <a:endParaRPr lang="zh-CN" altLang="en-US"/>
           </a:p>
         </p:txBody>
       </p:sp>
@@ -4866,7 +4192,6 @@
           <a:p>
             <a:fld id="{48A87A34-81AB-432B-8DAE-1953F412C126}" type="datetimeFigureOut">
               <a:rPr lang="en-US" smtClean="0"/>
-              <a:t>5/21/2019</a:t>
             </a:fld>
             <a:endParaRPr lang="en-US" dirty="0"/>
           </a:p>
@@ -4908,18 +4233,12 @@
           <a:p>
             <a:fld id="{6D22F896-40B5-4ADD-8801-0D06FADFA095}" type="slidenum">
               <a:rPr lang="en-US" smtClean="0"/>
-              <a:t>‹#›</a:t>
             </a:fld>
             <a:endParaRPr lang="en-US" dirty="0"/>
           </a:p>
         </p:txBody>
       </p:sp>
     </p:spTree>
-    <p:extLst>
-      <p:ext uri="{BB962C8B-B14F-4D97-AF65-F5344CB8AC3E}">
-        <p14:creationId xmlns:p14="http://schemas.microsoft.com/office/powerpoint/2010/main" val="2410796278"/>
-      </p:ext>
-    </p:extLst>
   </p:cSld>
   <p:clrMapOvr>
     <a:masterClrMapping/>
@@ -5042,6 +4361,7 @@
               <a:rPr lang="zh-CN" altLang="en-US"/>
               <a:t>单击此处编辑母版文本样式</a:t>
             </a:r>
+            <a:endParaRPr lang="zh-CN" altLang="en-US"/>
           </a:p>
         </p:txBody>
       </p:sp>
@@ -5109,6 +4429,7 @@
               <a:rPr lang="zh-CN" altLang="en-US"/>
               <a:t>单击此处编辑母版文本样式</a:t>
             </a:r>
+            <a:endParaRPr lang="zh-CN" altLang="en-US"/>
           </a:p>
         </p:txBody>
       </p:sp>
@@ -5129,7 +4450,6 @@
           <a:p>
             <a:fld id="{48A87A34-81AB-432B-8DAE-1953F412C126}" type="datetimeFigureOut">
               <a:rPr lang="en-US" smtClean="0"/>
-              <a:t>5/21/2019</a:t>
             </a:fld>
             <a:endParaRPr lang="en-US" dirty="0"/>
           </a:p>
@@ -5171,7 +4491,6 @@
           <a:p>
             <a:fld id="{6D22F896-40B5-4ADD-8801-0D06FADFA095}" type="slidenum">
               <a:rPr lang="en-US" smtClean="0"/>
-              <a:t>‹#›</a:t>
             </a:fld>
             <a:endParaRPr lang="en-US" dirty="0"/>
           </a:p>
@@ -5222,7 +4541,7 @@
                 </a:effectLst>
                 <a:latin typeface="+mj-lt"/>
                 <a:ea typeface="+mj-ea"/>
-                <a:cs typeface="Trebuchet MS"/>
+                <a:cs typeface="Trebuchet MS" panose="020B0603020202020204"/>
               </a:defRPr>
             </a:lvl1pPr>
             <a:lvl2pPr>
@@ -5293,6 +4612,12 @@
               </a:rPr>
               <a:t>“</a:t>
             </a:r>
+            <a:endParaRPr lang="en-US" sz="8000" dirty="0">
+              <a:solidFill>
+                <a:schemeClr val="tx1"/>
+              </a:solidFill>
+              <a:effectLst/>
+            </a:endParaRPr>
           </a:p>
         </p:txBody>
       </p:sp>
@@ -5341,7 +4666,7 @@
                 </a:effectLst>
                 <a:latin typeface="+mj-lt"/>
                 <a:ea typeface="+mj-ea"/>
-                <a:cs typeface="Trebuchet MS"/>
+                <a:cs typeface="Trebuchet MS" panose="020B0603020202020204"/>
               </a:defRPr>
             </a:lvl1pPr>
             <a:lvl2pPr>
@@ -5412,15 +4737,16 @@
               </a:rPr>
               <a:t>”</a:t>
             </a:r>
+            <a:endParaRPr lang="en-US" sz="8000" dirty="0">
+              <a:solidFill>
+                <a:schemeClr val="tx1"/>
+              </a:solidFill>
+              <a:effectLst/>
+            </a:endParaRPr>
           </a:p>
         </p:txBody>
       </p:sp>
     </p:spTree>
-    <p:extLst>
-      <p:ext uri="{BB962C8B-B14F-4D97-AF65-F5344CB8AC3E}">
-        <p14:creationId xmlns:p14="http://schemas.microsoft.com/office/powerpoint/2010/main" val="1548357810"/>
-      </p:ext>
-    </p:extLst>
   </p:cSld>
   <p:clrMapOvr>
     <a:masterClrMapping/>
@@ -5543,6 +4869,7 @@
               <a:rPr lang="zh-CN" altLang="en-US"/>
               <a:t>单击此处编辑母版文本样式</a:t>
             </a:r>
+            <a:endParaRPr lang="zh-CN" altLang="en-US"/>
           </a:p>
         </p:txBody>
       </p:sp>
@@ -5563,7 +4890,6 @@
           <a:p>
             <a:fld id="{48A87A34-81AB-432B-8DAE-1953F412C126}" type="datetimeFigureOut">
               <a:rPr lang="en-US" smtClean="0"/>
-              <a:t>5/21/2019</a:t>
             </a:fld>
             <a:endParaRPr lang="en-US" dirty="0"/>
           </a:p>
@@ -5605,18 +4931,12 @@
           <a:p>
             <a:fld id="{6D22F896-40B5-4ADD-8801-0D06FADFA095}" type="slidenum">
               <a:rPr lang="en-US" smtClean="0"/>
-              <a:t>‹#›</a:t>
             </a:fld>
             <a:endParaRPr lang="en-US" dirty="0"/>
           </a:p>
         </p:txBody>
       </p:sp>
     </p:spTree>
-    <p:extLst>
-      <p:ext uri="{BB962C8B-B14F-4D97-AF65-F5344CB8AC3E}">
-        <p14:creationId xmlns:p14="http://schemas.microsoft.com/office/powerpoint/2010/main" val="715322598"/>
-      </p:ext>
-    </p:extLst>
   </p:cSld>
   <p:clrMapOvr>
     <a:masterClrMapping/>
@@ -5740,6 +5060,7 @@
               <a:rPr lang="zh-CN" altLang="en-US"/>
               <a:t>单击此处编辑母版文本样式</a:t>
             </a:r>
+            <a:endParaRPr lang="zh-CN" altLang="en-US"/>
           </a:p>
         </p:txBody>
       </p:sp>
@@ -5807,6 +5128,7 @@
               <a:rPr lang="zh-CN" altLang="en-US"/>
               <a:t>单击此处编辑母版文本样式</a:t>
             </a:r>
+            <a:endParaRPr lang="zh-CN" altLang="en-US"/>
           </a:p>
         </p:txBody>
       </p:sp>
@@ -5881,6 +5203,7 @@
               <a:rPr lang="zh-CN" altLang="en-US"/>
               <a:t>单击此处编辑母版文本样式</a:t>
             </a:r>
+            <a:endParaRPr lang="zh-CN" altLang="en-US"/>
           </a:p>
         </p:txBody>
       </p:sp>
@@ -5948,6 +5271,7 @@
               <a:rPr lang="zh-CN" altLang="en-US"/>
               <a:t>单击此处编辑母版文本样式</a:t>
             </a:r>
+            <a:endParaRPr lang="zh-CN" altLang="en-US"/>
           </a:p>
         </p:txBody>
       </p:sp>
@@ -6022,6 +5346,7 @@
               <a:rPr lang="zh-CN" altLang="en-US"/>
               <a:t>单击此处编辑母版文本样式</a:t>
             </a:r>
+            <a:endParaRPr lang="zh-CN" altLang="en-US"/>
           </a:p>
         </p:txBody>
       </p:sp>
@@ -6089,6 +5414,7 @@
               <a:rPr lang="zh-CN" altLang="en-US"/>
               <a:t>单击此处编辑母版文本样式</a:t>
             </a:r>
+            <a:endParaRPr lang="zh-CN" altLang="en-US"/>
           </a:p>
         </p:txBody>
       </p:sp>
@@ -6109,7 +5435,6 @@
           <a:p>
             <a:fld id="{48A87A34-81AB-432B-8DAE-1953F412C126}" type="datetimeFigureOut">
               <a:rPr lang="en-US" smtClean="0"/>
-              <a:t>5/21/2019</a:t>
             </a:fld>
             <a:endParaRPr lang="en-US" dirty="0"/>
           </a:p>
@@ -6151,18 +5476,12 @@
           <a:p>
             <a:fld id="{6D22F896-40B5-4ADD-8801-0D06FADFA095}" type="slidenum">
               <a:rPr lang="en-US" smtClean="0"/>
-              <a:t>‹#›</a:t>
             </a:fld>
             <a:endParaRPr lang="en-US" dirty="0"/>
           </a:p>
         </p:txBody>
       </p:sp>
     </p:spTree>
-    <p:extLst>
-      <p:ext uri="{BB962C8B-B14F-4D97-AF65-F5344CB8AC3E}">
-        <p14:creationId xmlns:p14="http://schemas.microsoft.com/office/powerpoint/2010/main" val="277508164"/>
-      </p:ext>
-    </p:extLst>
   </p:cSld>
   <p:clrMapOvr>
     <a:masterClrMapping/>
@@ -6286,6 +5605,7 @@
               <a:rPr lang="zh-CN" altLang="en-US"/>
               <a:t>单击此处编辑母版文本样式</a:t>
             </a:r>
+            <a:endParaRPr lang="zh-CN" altLang="en-US"/>
           </a:p>
         </p:txBody>
       </p:sp>
@@ -6411,6 +5731,7 @@
               <a:rPr lang="zh-CN" altLang="en-US"/>
               <a:t>单击此处编辑母版文本样式</a:t>
             </a:r>
+            <a:endParaRPr lang="zh-CN" altLang="en-US"/>
           </a:p>
         </p:txBody>
       </p:sp>
@@ -6485,6 +5806,7 @@
               <a:rPr lang="zh-CN" altLang="en-US"/>
               <a:t>单击此处编辑母版文本样式</a:t>
             </a:r>
+            <a:endParaRPr lang="zh-CN" altLang="en-US"/>
           </a:p>
         </p:txBody>
       </p:sp>
@@ -6610,6 +5932,7 @@
               <a:rPr lang="zh-CN" altLang="en-US"/>
               <a:t>单击此处编辑母版文本样式</a:t>
             </a:r>
+            <a:endParaRPr lang="zh-CN" altLang="en-US"/>
           </a:p>
         </p:txBody>
       </p:sp>
@@ -6684,6 +6007,7 @@
               <a:rPr lang="zh-CN" altLang="en-US"/>
               <a:t>单击此处编辑母版文本样式</a:t>
             </a:r>
+            <a:endParaRPr lang="zh-CN" altLang="en-US"/>
           </a:p>
         </p:txBody>
       </p:sp>
@@ -6809,6 +6133,7 @@
               <a:rPr lang="zh-CN" altLang="en-US"/>
               <a:t>单击此处编辑母版文本样式</a:t>
             </a:r>
+            <a:endParaRPr lang="zh-CN" altLang="en-US"/>
           </a:p>
         </p:txBody>
       </p:sp>
@@ -6829,7 +6154,6 @@
           <a:p>
             <a:fld id="{48A87A34-81AB-432B-8DAE-1953F412C126}" type="datetimeFigureOut">
               <a:rPr lang="en-US" smtClean="0"/>
-              <a:t>5/21/2019</a:t>
             </a:fld>
             <a:endParaRPr lang="en-US" dirty="0"/>
           </a:p>
@@ -6871,18 +6195,12 @@
           <a:p>
             <a:fld id="{6D22F896-40B5-4ADD-8801-0D06FADFA095}" type="slidenum">
               <a:rPr lang="en-US" smtClean="0"/>
-              <a:t>‹#›</a:t>
             </a:fld>
             <a:endParaRPr lang="en-US" dirty="0"/>
           </a:p>
         </p:txBody>
       </p:sp>
     </p:spTree>
-    <p:extLst>
-      <p:ext uri="{BB962C8B-B14F-4D97-AF65-F5344CB8AC3E}">
-        <p14:creationId xmlns:p14="http://schemas.microsoft.com/office/powerpoint/2010/main" val="2543138157"/>
-      </p:ext>
-    </p:extLst>
   </p:cSld>
   <p:clrMapOvr>
     <a:masterClrMapping/>
@@ -6950,6 +6268,7 @@
               <a:rPr lang="zh-CN" altLang="en-US"/>
               <a:t>单击此处编辑母版文本样式</a:t>
             </a:r>
+            <a:endParaRPr lang="zh-CN" altLang="en-US"/>
           </a:p>
           <a:p>
             <a:pPr lvl="1"/>
@@ -6957,6 +6276,7 @@
               <a:rPr lang="zh-CN" altLang="en-US"/>
               <a:t>二级</a:t>
             </a:r>
+            <a:endParaRPr lang="zh-CN" altLang="en-US"/>
           </a:p>
           <a:p>
             <a:pPr lvl="2"/>
@@ -6964,6 +6284,7 @@
               <a:rPr lang="zh-CN" altLang="en-US"/>
               <a:t>三级</a:t>
             </a:r>
+            <a:endParaRPr lang="zh-CN" altLang="en-US"/>
           </a:p>
           <a:p>
             <a:pPr lvl="3"/>
@@ -6971,6 +6292,7 @@
               <a:rPr lang="zh-CN" altLang="en-US"/>
               <a:t>四级</a:t>
             </a:r>
+            <a:endParaRPr lang="zh-CN" altLang="en-US"/>
           </a:p>
           <a:p>
             <a:pPr lvl="4"/>
@@ -6999,8 +6321,6 @@
           <a:p>
             <a:fld id="{48A87A34-81AB-432B-8DAE-1953F412C126}" type="datetimeFigureOut">
               <a:rPr lang="en-US" smtClean="0"/>
-              <a:pPr/>
-              <a:t>5/21/2019</a:t>
             </a:fld>
             <a:endParaRPr lang="en-US" dirty="0"/>
           </a:p>
@@ -7042,19 +6362,12 @@
           <a:p>
             <a:fld id="{6D22F896-40B5-4ADD-8801-0D06FADFA095}" type="slidenum">
               <a:rPr lang="en-US" smtClean="0"/>
-              <a:pPr/>
-              <a:t>‹#›</a:t>
             </a:fld>
             <a:endParaRPr lang="en-US" dirty="0"/>
           </a:p>
         </p:txBody>
       </p:sp>
     </p:spTree>
-    <p:extLst>
-      <p:ext uri="{BB962C8B-B14F-4D97-AF65-F5344CB8AC3E}">
-        <p14:creationId xmlns:p14="http://schemas.microsoft.com/office/powerpoint/2010/main" val="2714441136"/>
-      </p:ext>
-    </p:extLst>
   </p:cSld>
   <p:clrMapOvr>
     <a:masterClrMapping/>
@@ -7132,6 +6445,7 @@
               <a:rPr lang="zh-CN" altLang="en-US"/>
               <a:t>单击此处编辑母版文本样式</a:t>
             </a:r>
+            <a:endParaRPr lang="zh-CN" altLang="en-US"/>
           </a:p>
           <a:p>
             <a:pPr lvl="1"/>
@@ -7139,6 +6453,7 @@
               <a:rPr lang="zh-CN" altLang="en-US"/>
               <a:t>二级</a:t>
             </a:r>
+            <a:endParaRPr lang="zh-CN" altLang="en-US"/>
           </a:p>
           <a:p>
             <a:pPr lvl="2"/>
@@ -7146,6 +6461,7 @@
               <a:rPr lang="zh-CN" altLang="en-US"/>
               <a:t>三级</a:t>
             </a:r>
+            <a:endParaRPr lang="zh-CN" altLang="en-US"/>
           </a:p>
           <a:p>
             <a:pPr lvl="3"/>
@@ -7153,6 +6469,7 @@
               <a:rPr lang="zh-CN" altLang="en-US"/>
               <a:t>四级</a:t>
             </a:r>
+            <a:endParaRPr lang="zh-CN" altLang="en-US"/>
           </a:p>
           <a:p>
             <a:pPr lvl="4"/>
@@ -7181,8 +6498,6 @@
           <a:p>
             <a:fld id="{48A87A34-81AB-432B-8DAE-1953F412C126}" type="datetimeFigureOut">
               <a:rPr lang="en-US" smtClean="0"/>
-              <a:pPr/>
-              <a:t>5/21/2019</a:t>
             </a:fld>
             <a:endParaRPr lang="en-US" dirty="0"/>
           </a:p>
@@ -7224,19 +6539,12 @@
           <a:p>
             <a:fld id="{6D22F896-40B5-4ADD-8801-0D06FADFA095}" type="slidenum">
               <a:rPr lang="en-US" smtClean="0"/>
-              <a:pPr/>
-              <a:t>‹#›</a:t>
             </a:fld>
             <a:endParaRPr lang="en-US" dirty="0"/>
           </a:p>
         </p:txBody>
       </p:sp>
     </p:spTree>
-    <p:extLst>
-      <p:ext uri="{BB962C8B-B14F-4D97-AF65-F5344CB8AC3E}">
-        <p14:creationId xmlns:p14="http://schemas.microsoft.com/office/powerpoint/2010/main" val="2279771776"/>
-      </p:ext>
-    </p:extLst>
   </p:cSld>
   <p:clrMapOvr>
     <a:masterClrMapping/>
@@ -7309,6 +6617,7 @@
               <a:rPr lang="zh-CN" altLang="en-US"/>
               <a:t>单击此处编辑母版文本样式</a:t>
             </a:r>
+            <a:endParaRPr lang="zh-CN" altLang="en-US"/>
           </a:p>
           <a:p>
             <a:pPr lvl="1"/>
@@ -7316,6 +6625,7 @@
               <a:rPr lang="zh-CN" altLang="en-US"/>
               <a:t>二级</a:t>
             </a:r>
+            <a:endParaRPr lang="zh-CN" altLang="en-US"/>
           </a:p>
           <a:p>
             <a:pPr lvl="2"/>
@@ -7323,6 +6633,7 @@
               <a:rPr lang="zh-CN" altLang="en-US"/>
               <a:t>三级</a:t>
             </a:r>
+            <a:endParaRPr lang="zh-CN" altLang="en-US"/>
           </a:p>
           <a:p>
             <a:pPr lvl="3"/>
@@ -7330,6 +6641,7 @@
               <a:rPr lang="zh-CN" altLang="en-US"/>
               <a:t>四级</a:t>
             </a:r>
+            <a:endParaRPr lang="zh-CN" altLang="en-US"/>
           </a:p>
           <a:p>
             <a:pPr lvl="4"/>
@@ -7358,7 +6670,6 @@
           <a:p>
             <a:fld id="{48A87A34-81AB-432B-8DAE-1953F412C126}" type="datetimeFigureOut">
               <a:rPr lang="en-US" dirty="0"/>
-              <a:t>5/21/2019</a:t>
             </a:fld>
             <a:endParaRPr lang="en-US" dirty="0"/>
           </a:p>
@@ -7400,18 +6711,12 @@
           <a:p>
             <a:fld id="{6D22F896-40B5-4ADD-8801-0D06FADFA095}" type="slidenum">
               <a:rPr lang="en-US" dirty="0"/>
-              <a:t>‹#›</a:t>
             </a:fld>
             <a:endParaRPr lang="en-US" dirty="0"/>
           </a:p>
         </p:txBody>
       </p:sp>
     </p:spTree>
-    <p:extLst>
-      <p:ext uri="{BB962C8B-B14F-4D97-AF65-F5344CB8AC3E}">
-        <p14:creationId xmlns:p14="http://schemas.microsoft.com/office/powerpoint/2010/main" val="3026678209"/>
-      </p:ext>
-    </p:extLst>
   </p:cSld>
   <p:clrMapOvr>
     <a:masterClrMapping/>
@@ -7479,6 +6784,7 @@
               <a:rPr lang="zh-CN" altLang="en-US"/>
               <a:t>单击此处编辑母版文本样式</a:t>
             </a:r>
+            <a:endParaRPr lang="zh-CN" altLang="en-US"/>
           </a:p>
           <a:p>
             <a:pPr lvl="1"/>
@@ -7486,6 +6792,7 @@
               <a:rPr lang="zh-CN" altLang="en-US"/>
               <a:t>二级</a:t>
             </a:r>
+            <a:endParaRPr lang="zh-CN" altLang="en-US"/>
           </a:p>
           <a:p>
             <a:pPr lvl="2"/>
@@ -7493,6 +6800,7 @@
               <a:rPr lang="zh-CN" altLang="en-US"/>
               <a:t>三级</a:t>
             </a:r>
+            <a:endParaRPr lang="zh-CN" altLang="en-US"/>
           </a:p>
           <a:p>
             <a:pPr lvl="3"/>
@@ -7500,6 +6808,7 @@
               <a:rPr lang="zh-CN" altLang="en-US"/>
               <a:t>四级</a:t>
             </a:r>
+            <a:endParaRPr lang="zh-CN" altLang="en-US"/>
           </a:p>
           <a:p>
             <a:pPr lvl="4"/>
@@ -7528,8 +6837,6 @@
           <a:p>
             <a:fld id="{48A87A34-81AB-432B-8DAE-1953F412C126}" type="datetimeFigureOut">
               <a:rPr lang="en-US" smtClean="0"/>
-              <a:pPr/>
-              <a:t>5/21/2019</a:t>
             </a:fld>
             <a:endParaRPr lang="en-US" dirty="0"/>
           </a:p>
@@ -7571,19 +6878,12 @@
           <a:p>
             <a:fld id="{6D22F896-40B5-4ADD-8801-0D06FADFA095}" type="slidenum">
               <a:rPr lang="en-US" smtClean="0"/>
-              <a:pPr/>
-              <a:t>‹#›</a:t>
             </a:fld>
             <a:endParaRPr lang="en-US" dirty="0"/>
           </a:p>
         </p:txBody>
       </p:sp>
     </p:spTree>
-    <p:extLst>
-      <p:ext uri="{BB962C8B-B14F-4D97-AF65-F5344CB8AC3E}">
-        <p14:creationId xmlns:p14="http://schemas.microsoft.com/office/powerpoint/2010/main" val="824231562"/>
-      </p:ext>
-    </p:extLst>
   </p:cSld>
   <p:clrMapOvr>
     <a:masterClrMapping/>
@@ -7760,6 +7060,7 @@
               <a:rPr lang="zh-CN" altLang="en-US"/>
               <a:t>单击此处编辑母版文本样式</a:t>
             </a:r>
+            <a:endParaRPr lang="zh-CN" altLang="en-US"/>
           </a:p>
         </p:txBody>
       </p:sp>
@@ -7780,7 +7081,6 @@
           <a:p>
             <a:fld id="{48A87A34-81AB-432B-8DAE-1953F412C126}" type="datetimeFigureOut">
               <a:rPr lang="en-US" smtClean="0"/>
-              <a:t>5/21/2019</a:t>
             </a:fld>
             <a:endParaRPr lang="en-US" dirty="0"/>
           </a:p>
@@ -7822,18 +7122,12 @@
           <a:p>
             <a:fld id="{6D22F896-40B5-4ADD-8801-0D06FADFA095}" type="slidenum">
               <a:rPr lang="en-US" smtClean="0"/>
-              <a:t>‹#›</a:t>
             </a:fld>
             <a:endParaRPr lang="en-US" dirty="0"/>
           </a:p>
         </p:txBody>
       </p:sp>
     </p:spTree>
-    <p:extLst>
-      <p:ext uri="{BB962C8B-B14F-4D97-AF65-F5344CB8AC3E}">
-        <p14:creationId xmlns:p14="http://schemas.microsoft.com/office/powerpoint/2010/main" val="3714089652"/>
-      </p:ext>
-    </p:extLst>
   </p:cSld>
   <p:clrMapOvr>
     <a:masterClrMapping/>
@@ -7906,6 +7200,7 @@
               <a:rPr lang="zh-CN" altLang="en-US"/>
               <a:t>单击此处编辑母版文本样式</a:t>
             </a:r>
+            <a:endParaRPr lang="zh-CN" altLang="en-US"/>
           </a:p>
           <a:p>
             <a:pPr lvl="1"/>
@@ -7913,6 +7208,7 @@
               <a:rPr lang="zh-CN" altLang="en-US"/>
               <a:t>二级</a:t>
             </a:r>
+            <a:endParaRPr lang="zh-CN" altLang="en-US"/>
           </a:p>
           <a:p>
             <a:pPr lvl="2"/>
@@ -7920,6 +7216,7 @@
               <a:rPr lang="zh-CN" altLang="en-US"/>
               <a:t>三级</a:t>
             </a:r>
+            <a:endParaRPr lang="zh-CN" altLang="en-US"/>
           </a:p>
           <a:p>
             <a:pPr lvl="3"/>
@@ -7927,6 +7224,7 @@
               <a:rPr lang="zh-CN" altLang="en-US"/>
               <a:t>四级</a:t>
             </a:r>
+            <a:endParaRPr lang="zh-CN" altLang="en-US"/>
           </a:p>
           <a:p>
             <a:pPr lvl="4"/>
@@ -7963,6 +7261,7 @@
               <a:rPr lang="zh-CN" altLang="en-US"/>
               <a:t>单击此处编辑母版文本样式</a:t>
             </a:r>
+            <a:endParaRPr lang="zh-CN" altLang="en-US"/>
           </a:p>
           <a:p>
             <a:pPr lvl="1"/>
@@ -7970,6 +7269,7 @@
               <a:rPr lang="zh-CN" altLang="en-US"/>
               <a:t>二级</a:t>
             </a:r>
+            <a:endParaRPr lang="zh-CN" altLang="en-US"/>
           </a:p>
           <a:p>
             <a:pPr lvl="2"/>
@@ -7977,6 +7277,7 @@
               <a:rPr lang="zh-CN" altLang="en-US"/>
               <a:t>三级</a:t>
             </a:r>
+            <a:endParaRPr lang="zh-CN" altLang="en-US"/>
           </a:p>
           <a:p>
             <a:pPr lvl="3"/>
@@ -7984,6 +7285,7 @@
               <a:rPr lang="zh-CN" altLang="en-US"/>
               <a:t>四级</a:t>
             </a:r>
+            <a:endParaRPr lang="zh-CN" altLang="en-US"/>
           </a:p>
           <a:p>
             <a:pPr lvl="4"/>
@@ -8012,8 +7314,6 @@
           <a:p>
             <a:fld id="{48A87A34-81AB-432B-8DAE-1953F412C126}" type="datetimeFigureOut">
               <a:rPr lang="en-US" smtClean="0"/>
-              <a:pPr/>
-              <a:t>5/21/2019</a:t>
             </a:fld>
             <a:endParaRPr lang="en-US" dirty="0"/>
           </a:p>
@@ -8055,19 +7355,12 @@
           <a:p>
             <a:fld id="{6D22F896-40B5-4ADD-8801-0D06FADFA095}" type="slidenum">
               <a:rPr lang="en-US" smtClean="0"/>
-              <a:pPr/>
-              <a:t>‹#›</a:t>
             </a:fld>
             <a:endParaRPr lang="en-US" dirty="0"/>
           </a:p>
         </p:txBody>
       </p:sp>
     </p:spTree>
-    <p:extLst>
-      <p:ext uri="{BB962C8B-B14F-4D97-AF65-F5344CB8AC3E}">
-        <p14:creationId xmlns:p14="http://schemas.microsoft.com/office/powerpoint/2010/main" val="1842345913"/>
-      </p:ext>
-    </p:extLst>
   </p:cSld>
   <p:clrMapOvr>
     <a:masterClrMapping/>
@@ -8189,6 +7482,7 @@
               <a:rPr lang="zh-CN" altLang="en-US"/>
               <a:t>单击此处编辑母版文本样式</a:t>
             </a:r>
+            <a:endParaRPr lang="zh-CN" altLang="en-US"/>
           </a:p>
         </p:txBody>
       </p:sp>
@@ -8217,6 +7511,7 @@
               <a:rPr lang="zh-CN" altLang="en-US"/>
               <a:t>单击此处编辑母版文本样式</a:t>
             </a:r>
+            <a:endParaRPr lang="zh-CN" altLang="en-US"/>
           </a:p>
           <a:p>
             <a:pPr lvl="1"/>
@@ -8224,6 +7519,7 @@
               <a:rPr lang="zh-CN" altLang="en-US"/>
               <a:t>二级</a:t>
             </a:r>
+            <a:endParaRPr lang="zh-CN" altLang="en-US"/>
           </a:p>
           <a:p>
             <a:pPr lvl="2"/>
@@ -8231,6 +7527,7 @@
               <a:rPr lang="zh-CN" altLang="en-US"/>
               <a:t>三级</a:t>
             </a:r>
+            <a:endParaRPr lang="zh-CN" altLang="en-US"/>
           </a:p>
           <a:p>
             <a:pPr lvl="3"/>
@@ -8238,6 +7535,7 @@
               <a:rPr lang="zh-CN" altLang="en-US"/>
               <a:t>四级</a:t>
             </a:r>
+            <a:endParaRPr lang="zh-CN" altLang="en-US"/>
           </a:p>
           <a:p>
             <a:pPr lvl="4"/>
@@ -8318,6 +7616,7 @@
               <a:rPr lang="zh-CN" altLang="en-US"/>
               <a:t>单击此处编辑母版文本样式</a:t>
             </a:r>
+            <a:endParaRPr lang="zh-CN" altLang="en-US"/>
           </a:p>
         </p:txBody>
       </p:sp>
@@ -8346,6 +7645,7 @@
               <a:rPr lang="zh-CN" altLang="en-US"/>
               <a:t>单击此处编辑母版文本样式</a:t>
             </a:r>
+            <a:endParaRPr lang="zh-CN" altLang="en-US"/>
           </a:p>
           <a:p>
             <a:pPr lvl="1"/>
@@ -8353,6 +7653,7 @@
               <a:rPr lang="zh-CN" altLang="en-US"/>
               <a:t>二级</a:t>
             </a:r>
+            <a:endParaRPr lang="zh-CN" altLang="en-US"/>
           </a:p>
           <a:p>
             <a:pPr lvl="2"/>
@@ -8360,6 +7661,7 @@
               <a:rPr lang="zh-CN" altLang="en-US"/>
               <a:t>三级</a:t>
             </a:r>
+            <a:endParaRPr lang="zh-CN" altLang="en-US"/>
           </a:p>
           <a:p>
             <a:pPr lvl="3"/>
@@ -8367,6 +7669,7 @@
               <a:rPr lang="zh-CN" altLang="en-US"/>
               <a:t>四级</a:t>
             </a:r>
+            <a:endParaRPr lang="zh-CN" altLang="en-US"/>
           </a:p>
           <a:p>
             <a:pPr lvl="4"/>
@@ -8395,8 +7698,6 @@
           <a:p>
             <a:fld id="{48A87A34-81AB-432B-8DAE-1953F412C126}" type="datetimeFigureOut">
               <a:rPr lang="en-US" smtClean="0"/>
-              <a:pPr/>
-              <a:t>5/21/2019</a:t>
             </a:fld>
             <a:endParaRPr lang="en-US" dirty="0"/>
           </a:p>
@@ -8438,19 +7739,12 @@
           <a:p>
             <a:fld id="{6D22F896-40B5-4ADD-8801-0D06FADFA095}" type="slidenum">
               <a:rPr lang="en-US" smtClean="0"/>
-              <a:pPr/>
-              <a:t>‹#›</a:t>
             </a:fld>
             <a:endParaRPr lang="en-US" dirty="0"/>
           </a:p>
         </p:txBody>
       </p:sp>
     </p:spTree>
-    <p:extLst>
-      <p:ext uri="{BB962C8B-B14F-4D97-AF65-F5344CB8AC3E}">
-        <p14:creationId xmlns:p14="http://schemas.microsoft.com/office/powerpoint/2010/main" val="2305073654"/>
-      </p:ext>
-    </p:extLst>
   </p:cSld>
   <p:clrMapOvr>
     <a:masterClrMapping/>
@@ -8515,7 +7809,6 @@
           <a:p>
             <a:fld id="{48A87A34-81AB-432B-8DAE-1953F412C126}" type="datetimeFigureOut">
               <a:rPr lang="en-US" smtClean="0"/>
-              <a:t>5/21/2019</a:t>
             </a:fld>
             <a:endParaRPr lang="en-US" dirty="0"/>
           </a:p>
@@ -8557,18 +7850,12 @@
           <a:p>
             <a:fld id="{6D22F896-40B5-4ADD-8801-0D06FADFA095}" type="slidenum">
               <a:rPr lang="en-US" smtClean="0"/>
-              <a:t>‹#›</a:t>
             </a:fld>
             <a:endParaRPr lang="en-US" dirty="0"/>
           </a:p>
         </p:txBody>
       </p:sp>
     </p:spTree>
-    <p:extLst>
-      <p:ext uri="{BB962C8B-B14F-4D97-AF65-F5344CB8AC3E}">
-        <p14:creationId xmlns:p14="http://schemas.microsoft.com/office/powerpoint/2010/main" val="625355850"/>
-      </p:ext>
-    </p:extLst>
   </p:cSld>
   <p:clrMapOvr>
     <a:masterClrMapping/>
@@ -8610,7 +7897,6 @@
           <a:p>
             <a:fld id="{48A87A34-81AB-432B-8DAE-1953F412C126}" type="datetimeFigureOut">
               <a:rPr lang="en-US" smtClean="0"/>
-              <a:t>5/21/2019</a:t>
             </a:fld>
             <a:endParaRPr lang="en-US" dirty="0"/>
           </a:p>
@@ -8652,18 +7938,12 @@
           <a:p>
             <a:fld id="{6D22F896-40B5-4ADD-8801-0D06FADFA095}" type="slidenum">
               <a:rPr lang="en-US" smtClean="0"/>
-              <a:t>‹#›</a:t>
             </a:fld>
             <a:endParaRPr lang="en-US" dirty="0"/>
           </a:p>
         </p:txBody>
       </p:sp>
     </p:spTree>
-    <p:extLst>
-      <p:ext uri="{BB962C8B-B14F-4D97-AF65-F5344CB8AC3E}">
-        <p14:creationId xmlns:p14="http://schemas.microsoft.com/office/powerpoint/2010/main" val="3080931843"/>
-      </p:ext>
-    </p:extLst>
   </p:cSld>
   <p:clrMapOvr>
     <a:masterClrMapping/>
@@ -8745,6 +8025,7 @@
               <a:rPr lang="zh-CN" altLang="en-US"/>
               <a:t>单击此处编辑母版文本样式</a:t>
             </a:r>
+            <a:endParaRPr lang="zh-CN" altLang="en-US"/>
           </a:p>
           <a:p>
             <a:pPr lvl="1"/>
@@ -8752,6 +8033,7 @@
               <a:rPr lang="zh-CN" altLang="en-US"/>
               <a:t>二级</a:t>
             </a:r>
+            <a:endParaRPr lang="zh-CN" altLang="en-US"/>
           </a:p>
           <a:p>
             <a:pPr lvl="2"/>
@@ -8759,6 +8041,7 @@
               <a:rPr lang="zh-CN" altLang="en-US"/>
               <a:t>三级</a:t>
             </a:r>
+            <a:endParaRPr lang="zh-CN" altLang="en-US"/>
           </a:p>
           <a:p>
             <a:pPr lvl="3"/>
@@ -8766,6 +8049,7 @@
               <a:rPr lang="zh-CN" altLang="en-US"/>
               <a:t>四级</a:t>
             </a:r>
+            <a:endParaRPr lang="zh-CN" altLang="en-US"/>
           </a:p>
           <a:p>
             <a:pPr lvl="4"/>
@@ -8839,6 +8123,7 @@
               <a:rPr lang="zh-CN" altLang="en-US"/>
               <a:t>单击此处编辑母版文本样式</a:t>
             </a:r>
+            <a:endParaRPr lang="zh-CN" altLang="en-US"/>
           </a:p>
         </p:txBody>
       </p:sp>
@@ -8859,8 +8144,6 @@
           <a:p>
             <a:fld id="{48A87A34-81AB-432B-8DAE-1953F412C126}" type="datetimeFigureOut">
               <a:rPr lang="en-US" smtClean="0"/>
-              <a:pPr/>
-              <a:t>5/21/2019</a:t>
             </a:fld>
             <a:endParaRPr lang="en-US" dirty="0"/>
           </a:p>
@@ -8902,19 +8185,12 @@
           <a:p>
             <a:fld id="{6D22F896-40B5-4ADD-8801-0D06FADFA095}" type="slidenum">
               <a:rPr lang="en-US" smtClean="0"/>
-              <a:pPr/>
-              <a:t>‹#›</a:t>
             </a:fld>
             <a:endParaRPr lang="en-US" dirty="0"/>
           </a:p>
         </p:txBody>
       </p:sp>
     </p:spTree>
-    <p:extLst>
-      <p:ext uri="{BB962C8B-B14F-4D97-AF65-F5344CB8AC3E}">
-        <p14:creationId xmlns:p14="http://schemas.microsoft.com/office/powerpoint/2010/main" val="1848791532"/>
-      </p:ext>
-    </p:extLst>
   </p:cSld>
   <p:clrMapOvr>
     <a:masterClrMapping/>
@@ -9121,6 +8397,7 @@
               <a:rPr lang="zh-CN" altLang="en-US"/>
               <a:t>单击此处编辑母版文本样式</a:t>
             </a:r>
+            <a:endParaRPr lang="zh-CN" altLang="en-US"/>
           </a:p>
         </p:txBody>
       </p:sp>
@@ -9141,7 +8418,6 @@
           <a:p>
             <a:fld id="{48A87A34-81AB-432B-8DAE-1953F412C126}" type="datetimeFigureOut">
               <a:rPr lang="en-US" smtClean="0"/>
-              <a:t>5/21/2019</a:t>
             </a:fld>
             <a:endParaRPr lang="en-US" dirty="0"/>
           </a:p>
@@ -9183,18 +8459,12 @@
           <a:p>
             <a:fld id="{6D22F896-40B5-4ADD-8801-0D06FADFA095}" type="slidenum">
               <a:rPr lang="en-US" smtClean="0"/>
-              <a:t>‹#›</a:t>
             </a:fld>
             <a:endParaRPr lang="en-US" dirty="0"/>
           </a:p>
         </p:txBody>
       </p:sp>
     </p:spTree>
-    <p:extLst>
-      <p:ext uri="{BB962C8B-B14F-4D97-AF65-F5344CB8AC3E}">
-        <p14:creationId xmlns:p14="http://schemas.microsoft.com/office/powerpoint/2010/main" val="2986870781"/>
-      </p:ext>
-    </p:extLst>
   </p:cSld>
   <p:clrMapOvr>
     <a:masterClrMapping/>
@@ -9233,7 +8503,7 @@
           <p:nvPr/>
         </p:nvPicPr>
         <p:blipFill>
-          <a:blip r:embed="rId20">
+          <a:blip r:embed="rId19">
             <a:alphaModFix amt="30000"/>
             <a:extLst>
               <a:ext uri="{28A0092B-C50C-407E-A947-70E740481C1C}">
@@ -9255,15 +8525,6 @@
             <a:avLst/>
           </a:prstGeom>
           <a:noFill/>
-          <a:extLst>
-            <a:ext uri="{909E8E84-426E-40dd-AFC4-6F175D3DCCD1}">
-              <a14:hiddenFill xmlns:a14="http://schemas.microsoft.com/office/drawing/2010/main" xmlns="">
-                <a:solidFill>
-                  <a:srgbClr val="FFFFFF"/>
-                </a:solidFill>
-              </a14:hiddenFill>
-            </a:ext>
-          </a:extLst>
         </p:spPr>
       </p:pic>
       <p:grpSp>
@@ -9329,18 +8590,6 @@
               <a:ln>
                 <a:noFill/>
               </a:ln>
-              <a:extLst>
-                <a:ext uri="{91240B29-F687-4f45-9708-019B960494DF}">
-                  <a14:hiddenLine xmlns:a14="http://schemas.microsoft.com/office/drawing/2010/main" xmlns="" w="9525">
-                    <a:solidFill>
-                      <a:srgbClr val="000000"/>
-                    </a:solidFill>
-                    <a:miter lim="800000"/>
-                    <a:headEnd/>
-                    <a:tailEnd/>
-                  </a14:hiddenLine>
-                </a:ext>
-              </a:extLst>
             </p:spPr>
           </p:sp>
           <p:sp>
@@ -9419,18 +8668,6 @@
               <a:ln>
                 <a:noFill/>
               </a:ln>
-              <a:extLst>
-                <a:ext uri="{91240B29-F687-4f45-9708-019B960494DF}">
-                  <a14:hiddenLine xmlns:a14="http://schemas.microsoft.com/office/drawing/2010/main" xmlns="" w="9525">
-                    <a:solidFill>
-                      <a:srgbClr val="000000"/>
-                    </a:solidFill>
-                    <a:round/>
-                    <a:headEnd/>
-                    <a:tailEnd/>
-                  </a14:hiddenLine>
-                </a:ext>
-              </a:extLst>
             </p:spPr>
           </p:sp>
           <p:sp>
@@ -9509,18 +8746,6 @@
               <a:ln>
                 <a:noFill/>
               </a:ln>
-              <a:extLst>
-                <a:ext uri="{91240B29-F687-4f45-9708-019B960494DF}">
-                  <a14:hiddenLine xmlns:a14="http://schemas.microsoft.com/office/drawing/2010/main" xmlns="" w="9525">
-                    <a:solidFill>
-                      <a:srgbClr val="000000"/>
-                    </a:solidFill>
-                    <a:round/>
-                    <a:headEnd/>
-                    <a:tailEnd/>
-                  </a14:hiddenLine>
-                </a:ext>
-              </a:extLst>
             </p:spPr>
           </p:sp>
           <p:sp>
@@ -9571,18 +8796,6 @@
               <a:ln>
                 <a:noFill/>
               </a:ln>
-              <a:extLst>
-                <a:ext uri="{91240B29-F687-4f45-9708-019B960494DF}">
-                  <a14:hiddenLine xmlns:a14="http://schemas.microsoft.com/office/drawing/2010/main" xmlns="" w="9525">
-                    <a:solidFill>
-                      <a:srgbClr val="000000"/>
-                    </a:solidFill>
-                    <a:round/>
-                    <a:headEnd/>
-                    <a:tailEnd/>
-                  </a14:hiddenLine>
-                </a:ext>
-              </a:extLst>
             </p:spPr>
           </p:sp>
           <p:sp>
@@ -9661,18 +8874,6 @@
               <a:ln>
                 <a:noFill/>
               </a:ln>
-              <a:extLst>
-                <a:ext uri="{91240B29-F687-4f45-9708-019B960494DF}">
-                  <a14:hiddenLine xmlns:a14="http://schemas.microsoft.com/office/drawing/2010/main" xmlns="" w="9525">
-                    <a:solidFill>
-                      <a:srgbClr val="000000"/>
-                    </a:solidFill>
-                    <a:round/>
-                    <a:headEnd/>
-                    <a:tailEnd/>
-                  </a14:hiddenLine>
-                </a:ext>
-              </a:extLst>
             </p:spPr>
           </p:sp>
           <p:sp>
@@ -9723,18 +8924,6 @@
               <a:ln>
                 <a:noFill/>
               </a:ln>
-              <a:extLst>
-                <a:ext uri="{91240B29-F687-4f45-9708-019B960494DF}">
-                  <a14:hiddenLine xmlns:a14="http://schemas.microsoft.com/office/drawing/2010/main" xmlns="" w="9525">
-                    <a:solidFill>
-                      <a:srgbClr val="000000"/>
-                    </a:solidFill>
-                    <a:round/>
-                    <a:headEnd/>
-                    <a:tailEnd/>
-                  </a14:hiddenLine>
-                </a:ext>
-              </a:extLst>
             </p:spPr>
           </p:sp>
           <p:sp>
@@ -9785,18 +8974,6 @@
               <a:ln>
                 <a:noFill/>
               </a:ln>
-              <a:extLst>
-                <a:ext uri="{91240B29-F687-4f45-9708-019B960494DF}">
-                  <a14:hiddenLine xmlns:a14="http://schemas.microsoft.com/office/drawing/2010/main" xmlns="" w="9525">
-                    <a:solidFill>
-                      <a:srgbClr val="000000"/>
-                    </a:solidFill>
-                    <a:round/>
-                    <a:headEnd/>
-                    <a:tailEnd/>
-                  </a14:hiddenLine>
-                </a:ext>
-              </a:extLst>
             </p:spPr>
           </p:sp>
           <p:sp>
@@ -9875,18 +9052,6 @@
               <a:ln>
                 <a:noFill/>
               </a:ln>
-              <a:extLst>
-                <a:ext uri="{91240B29-F687-4f45-9708-019B960494DF}">
-                  <a14:hiddenLine xmlns:a14="http://schemas.microsoft.com/office/drawing/2010/main" xmlns="" w="9525">
-                    <a:solidFill>
-                      <a:srgbClr val="000000"/>
-                    </a:solidFill>
-                    <a:round/>
-                    <a:headEnd/>
-                    <a:tailEnd/>
-                  </a14:hiddenLine>
-                </a:ext>
-              </a:extLst>
             </p:spPr>
           </p:sp>
           <p:sp>
@@ -9965,18 +9130,6 @@
               <a:ln>
                 <a:noFill/>
               </a:ln>
-              <a:extLst>
-                <a:ext uri="{91240B29-F687-4f45-9708-019B960494DF}">
-                  <a14:hiddenLine xmlns:a14="http://schemas.microsoft.com/office/drawing/2010/main" xmlns="" w="9525">
-                    <a:solidFill>
-                      <a:srgbClr val="000000"/>
-                    </a:solidFill>
-                    <a:round/>
-                    <a:headEnd/>
-                    <a:tailEnd/>
-                  </a14:hiddenLine>
-                </a:ext>
-              </a:extLst>
             </p:spPr>
           </p:sp>
           <p:sp>
@@ -10027,18 +9180,6 @@
               <a:ln>
                 <a:noFill/>
               </a:ln>
-              <a:extLst>
-                <a:ext uri="{91240B29-F687-4f45-9708-019B960494DF}">
-                  <a14:hiddenLine xmlns:a14="http://schemas.microsoft.com/office/drawing/2010/main" xmlns="" w="9525">
-                    <a:solidFill>
-                      <a:srgbClr val="000000"/>
-                    </a:solidFill>
-                    <a:round/>
-                    <a:headEnd/>
-                    <a:tailEnd/>
-                  </a14:hiddenLine>
-                </a:ext>
-              </a:extLst>
             </p:spPr>
           </p:sp>
           <p:sp>
@@ -10137,18 +9278,6 @@
               <a:ln>
                 <a:noFill/>
               </a:ln>
-              <a:extLst>
-                <a:ext uri="{91240B29-F687-4f45-9708-019B960494DF}">
-                  <a14:hiddenLine xmlns:a14="http://schemas.microsoft.com/office/drawing/2010/main" xmlns="" w="9525">
-                    <a:solidFill>
-                      <a:srgbClr val="000000"/>
-                    </a:solidFill>
-                    <a:round/>
-                    <a:headEnd/>
-                    <a:tailEnd/>
-                  </a14:hiddenLine>
-                </a:ext>
-              </a:extLst>
             </p:spPr>
           </p:sp>
           <p:sp>
@@ -10174,8 +9303,6 @@
                 </a:solidFill>
                 <a:prstDash val="solid"/>
                 <a:miter lim="800000"/>
-                <a:headEnd/>
-                <a:tailEnd/>
               </a:ln>
             </p:spPr>
           </p:sp>
@@ -10221,18 +9348,6 @@
               <a:ln>
                 <a:noFill/>
               </a:ln>
-              <a:extLst>
-                <a:ext uri="{91240B29-F687-4f45-9708-019B960494DF}">
-                  <a14:hiddenLine xmlns:a14="http://schemas.microsoft.com/office/drawing/2010/main" xmlns="" w="9525">
-                    <a:solidFill>
-                      <a:srgbClr val="000000"/>
-                    </a:solidFill>
-                    <a:round/>
-                    <a:headEnd/>
-                    <a:tailEnd/>
-                  </a14:hiddenLine>
-                </a:ext>
-              </a:extLst>
             </p:spPr>
           </p:sp>
           <p:sp>
@@ -10283,18 +9398,6 @@
               <a:ln>
                 <a:noFill/>
               </a:ln>
-              <a:extLst>
-                <a:ext uri="{91240B29-F687-4f45-9708-019B960494DF}">
-                  <a14:hiddenLine xmlns:a14="http://schemas.microsoft.com/office/drawing/2010/main" xmlns="" w="9525">
-                    <a:solidFill>
-                      <a:srgbClr val="000000"/>
-                    </a:solidFill>
-                    <a:round/>
-                    <a:headEnd/>
-                    <a:tailEnd/>
-                  </a14:hiddenLine>
-                </a:ext>
-              </a:extLst>
             </p:spPr>
           </p:sp>
           <p:sp>
@@ -10345,18 +9448,6 @@
               <a:ln>
                 <a:noFill/>
               </a:ln>
-              <a:extLst>
-                <a:ext uri="{91240B29-F687-4f45-9708-019B960494DF}">
-                  <a14:hiddenLine xmlns:a14="http://schemas.microsoft.com/office/drawing/2010/main" xmlns="" w="9525">
-                    <a:solidFill>
-                      <a:srgbClr val="000000"/>
-                    </a:solidFill>
-                    <a:round/>
-                    <a:headEnd/>
-                    <a:tailEnd/>
-                  </a14:hiddenLine>
-                </a:ext>
-              </a:extLst>
             </p:spPr>
           </p:sp>
           <p:sp>
@@ -10435,18 +9526,6 @@
               <a:ln>
                 <a:noFill/>
               </a:ln>
-              <a:extLst>
-                <a:ext uri="{91240B29-F687-4f45-9708-019B960494DF}">
-                  <a14:hiddenLine xmlns:a14="http://schemas.microsoft.com/office/drawing/2010/main" xmlns="" w="9525">
-                    <a:solidFill>
-                      <a:srgbClr val="000000"/>
-                    </a:solidFill>
-                    <a:round/>
-                    <a:headEnd/>
-                    <a:tailEnd/>
-                  </a14:hiddenLine>
-                </a:ext>
-              </a:extLst>
             </p:spPr>
           </p:sp>
           <p:sp>
@@ -10469,18 +9548,6 @@
               <a:ln>
                 <a:noFill/>
               </a:ln>
-              <a:extLst>
-                <a:ext uri="{91240B29-F687-4f45-9708-019B960494DF}">
-                  <a14:hiddenLine xmlns:a14="http://schemas.microsoft.com/office/drawing/2010/main" xmlns="" w="9525">
-                    <a:solidFill>
-                      <a:srgbClr val="000000"/>
-                    </a:solidFill>
-                    <a:miter lim="800000"/>
-                    <a:headEnd/>
-                    <a:tailEnd/>
-                  </a14:hiddenLine>
-                </a:ext>
-              </a:extLst>
             </p:spPr>
           </p:sp>
           <p:sp>
@@ -10534,18 +9601,6 @@
               <a:ln>
                 <a:noFill/>
               </a:ln>
-              <a:extLst>
-                <a:ext uri="{91240B29-F687-4f45-9708-019B960494DF}">
-                  <a14:hiddenLine xmlns:a14="http://schemas.microsoft.com/office/drawing/2010/main" xmlns="" w="9525">
-                    <a:solidFill>
-                      <a:srgbClr val="000000"/>
-                    </a:solidFill>
-                    <a:round/>
-                    <a:headEnd/>
-                    <a:tailEnd/>
-                  </a14:hiddenLine>
-                </a:ext>
-              </a:extLst>
             </p:spPr>
           </p:sp>
           <p:sp>
@@ -10624,18 +9679,6 @@
               <a:ln>
                 <a:noFill/>
               </a:ln>
-              <a:extLst>
-                <a:ext uri="{91240B29-F687-4f45-9708-019B960494DF}">
-                  <a14:hiddenLine xmlns:a14="http://schemas.microsoft.com/office/drawing/2010/main" xmlns="" w="9525">
-                    <a:solidFill>
-                      <a:srgbClr val="000000"/>
-                    </a:solidFill>
-                    <a:round/>
-                    <a:headEnd/>
-                    <a:tailEnd/>
-                  </a14:hiddenLine>
-                </a:ext>
-              </a:extLst>
             </p:spPr>
           </p:sp>
           <p:sp>
@@ -10686,18 +9729,6 @@
               <a:ln>
                 <a:noFill/>
               </a:ln>
-              <a:extLst>
-                <a:ext uri="{91240B29-F687-4f45-9708-019B960494DF}">
-                  <a14:hiddenLine xmlns:a14="http://schemas.microsoft.com/office/drawing/2010/main" xmlns="" w="9525">
-                    <a:solidFill>
-                      <a:srgbClr val="000000"/>
-                    </a:solidFill>
-                    <a:round/>
-                    <a:headEnd/>
-                    <a:tailEnd/>
-                  </a14:hiddenLine>
-                </a:ext>
-              </a:extLst>
             </p:spPr>
           </p:sp>
           <p:sp>
@@ -10776,18 +9807,6 @@
               <a:ln>
                 <a:noFill/>
               </a:ln>
-              <a:extLst>
-                <a:ext uri="{91240B29-F687-4f45-9708-019B960494DF}">
-                  <a14:hiddenLine xmlns:a14="http://schemas.microsoft.com/office/drawing/2010/main" xmlns="" w="9525">
-                    <a:solidFill>
-                      <a:srgbClr val="000000"/>
-                    </a:solidFill>
-                    <a:round/>
-                    <a:headEnd/>
-                    <a:tailEnd/>
-                  </a14:hiddenLine>
-                </a:ext>
-              </a:extLst>
             </p:spPr>
           </p:sp>
           <p:sp>
@@ -10841,18 +9860,6 @@
               <a:ln>
                 <a:noFill/>
               </a:ln>
-              <a:extLst>
-                <a:ext uri="{91240B29-F687-4f45-9708-019B960494DF}">
-                  <a14:hiddenLine xmlns:a14="http://schemas.microsoft.com/office/drawing/2010/main" xmlns="" w="9525">
-                    <a:solidFill>
-                      <a:srgbClr val="000000"/>
-                    </a:solidFill>
-                    <a:round/>
-                    <a:headEnd/>
-                    <a:tailEnd/>
-                  </a14:hiddenLine>
-                </a:ext>
-              </a:extLst>
             </p:spPr>
           </p:sp>
           <p:sp>
@@ -10903,18 +9910,6 @@
               <a:ln>
                 <a:noFill/>
               </a:ln>
-              <a:extLst>
-                <a:ext uri="{91240B29-F687-4f45-9708-019B960494DF}">
-                  <a14:hiddenLine xmlns:a14="http://schemas.microsoft.com/office/drawing/2010/main" xmlns="" w="9525">
-                    <a:solidFill>
-                      <a:srgbClr val="000000"/>
-                    </a:solidFill>
-                    <a:round/>
-                    <a:headEnd/>
-                    <a:tailEnd/>
-                  </a14:hiddenLine>
-                </a:ext>
-              </a:extLst>
             </p:spPr>
           </p:sp>
           <p:sp>
@@ -10993,18 +9988,6 @@
               <a:ln>
                 <a:noFill/>
               </a:ln>
-              <a:extLst>
-                <a:ext uri="{91240B29-F687-4f45-9708-019B960494DF}">
-                  <a14:hiddenLine xmlns:a14="http://schemas.microsoft.com/office/drawing/2010/main" xmlns="" w="9525">
-                    <a:solidFill>
-                      <a:srgbClr val="000000"/>
-                    </a:solidFill>
-                    <a:round/>
-                    <a:headEnd/>
-                    <a:tailEnd/>
-                  </a14:hiddenLine>
-                </a:ext>
-              </a:extLst>
             </p:spPr>
           </p:sp>
           <p:sp>
@@ -11083,18 +10066,6 @@
               <a:ln>
                 <a:noFill/>
               </a:ln>
-              <a:extLst>
-                <a:ext uri="{91240B29-F687-4f45-9708-019B960494DF}">
-                  <a14:hiddenLine xmlns:a14="http://schemas.microsoft.com/office/drawing/2010/main" xmlns="" w="9525">
-                    <a:solidFill>
-                      <a:srgbClr val="000000"/>
-                    </a:solidFill>
-                    <a:round/>
-                    <a:headEnd/>
-                    <a:tailEnd/>
-                  </a14:hiddenLine>
-                </a:ext>
-              </a:extLst>
             </p:spPr>
           </p:sp>
           <p:sp>
@@ -11148,18 +10119,6 @@
               <a:ln>
                 <a:noFill/>
               </a:ln>
-              <a:extLst>
-                <a:ext uri="{91240B29-F687-4f45-9708-019B960494DF}">
-                  <a14:hiddenLine xmlns:a14="http://schemas.microsoft.com/office/drawing/2010/main" xmlns="" w="9525">
-                    <a:solidFill>
-                      <a:srgbClr val="000000"/>
-                    </a:solidFill>
-                    <a:round/>
-                    <a:headEnd/>
-                    <a:tailEnd/>
-                  </a14:hiddenLine>
-                </a:ext>
-              </a:extLst>
             </p:spPr>
           </p:sp>
           <p:sp>
@@ -11268,18 +10227,6 @@
               <a:ln>
                 <a:noFill/>
               </a:ln>
-              <a:extLst>
-                <a:ext uri="{91240B29-F687-4f45-9708-019B960494DF}">
-                  <a14:hiddenLine xmlns:a14="http://schemas.microsoft.com/office/drawing/2010/main" xmlns="" w="9525">
-                    <a:solidFill>
-                      <a:srgbClr val="000000"/>
-                    </a:solidFill>
-                    <a:round/>
-                    <a:headEnd/>
-                    <a:tailEnd/>
-                  </a14:hiddenLine>
-                </a:ext>
-              </a:extLst>
             </p:spPr>
           </p:sp>
         </p:grpSp>
@@ -11366,18 +10313,6 @@
               <a:ln>
                 <a:noFill/>
               </a:ln>
-              <a:extLst>
-                <a:ext uri="{91240B29-F687-4f45-9708-019B960494DF}">
-                  <a14:hiddenLine xmlns:a14="http://schemas.microsoft.com/office/drawing/2010/main" xmlns="" w="9525">
-                    <a:solidFill>
-                      <a:srgbClr val="000000"/>
-                    </a:solidFill>
-                    <a:round/>
-                    <a:headEnd/>
-                    <a:tailEnd/>
-                  </a14:hiddenLine>
-                </a:ext>
-              </a:extLst>
             </p:spPr>
           </p:sp>
           <p:sp>
@@ -11481,18 +10416,6 @@
               <a:ln>
                 <a:noFill/>
               </a:ln>
-              <a:extLst>
-                <a:ext uri="{91240B29-F687-4f45-9708-019B960494DF}">
-                  <a14:hiddenLine xmlns:a14="http://schemas.microsoft.com/office/drawing/2010/main" xmlns="" w="9525">
-                    <a:solidFill>
-                      <a:srgbClr val="000000"/>
-                    </a:solidFill>
-                    <a:round/>
-                    <a:headEnd/>
-                    <a:tailEnd/>
-                  </a14:hiddenLine>
-                </a:ext>
-              </a:extLst>
             </p:spPr>
           </p:sp>
           <p:sp>
@@ -11571,18 +10494,6 @@
               <a:ln>
                 <a:noFill/>
               </a:ln>
-              <a:extLst>
-                <a:ext uri="{91240B29-F687-4f45-9708-019B960494DF}">
-                  <a14:hiddenLine xmlns:a14="http://schemas.microsoft.com/office/drawing/2010/main" xmlns="" w="9525">
-                    <a:solidFill>
-                      <a:srgbClr val="000000"/>
-                    </a:solidFill>
-                    <a:round/>
-                    <a:headEnd/>
-                    <a:tailEnd/>
-                  </a14:hiddenLine>
-                </a:ext>
-              </a:extLst>
             </p:spPr>
           </p:sp>
           <p:sp>
@@ -11636,18 +10547,6 @@
               <a:ln>
                 <a:noFill/>
               </a:ln>
-              <a:extLst>
-                <a:ext uri="{91240B29-F687-4f45-9708-019B960494DF}">
-                  <a14:hiddenLine xmlns:a14="http://schemas.microsoft.com/office/drawing/2010/main" xmlns="" w="9525">
-                    <a:solidFill>
-                      <a:srgbClr val="000000"/>
-                    </a:solidFill>
-                    <a:round/>
-                    <a:headEnd/>
-                    <a:tailEnd/>
-                  </a14:hiddenLine>
-                </a:ext>
-              </a:extLst>
             </p:spPr>
           </p:sp>
           <p:sp>
@@ -11726,18 +10625,6 @@
               <a:ln>
                 <a:noFill/>
               </a:ln>
-              <a:extLst>
-                <a:ext uri="{91240B29-F687-4f45-9708-019B960494DF}">
-                  <a14:hiddenLine xmlns:a14="http://schemas.microsoft.com/office/drawing/2010/main" xmlns="" w="9525">
-                    <a:solidFill>
-                      <a:srgbClr val="000000"/>
-                    </a:solidFill>
-                    <a:round/>
-                    <a:headEnd/>
-                    <a:tailEnd/>
-                  </a14:hiddenLine>
-                </a:ext>
-              </a:extLst>
             </p:spPr>
           </p:sp>
           <p:sp>
@@ -11794,18 +10681,6 @@
               <a:ln>
                 <a:noFill/>
               </a:ln>
-              <a:extLst>
-                <a:ext uri="{91240B29-F687-4f45-9708-019B960494DF}">
-                  <a14:hiddenLine xmlns:a14="http://schemas.microsoft.com/office/drawing/2010/main" xmlns="" w="9525">
-                    <a:solidFill>
-                      <a:srgbClr val="000000"/>
-                    </a:solidFill>
-                    <a:round/>
-                    <a:headEnd/>
-                    <a:tailEnd/>
-                  </a14:hiddenLine>
-                </a:ext>
-              </a:extLst>
             </p:spPr>
           </p:sp>
           <p:sp>
@@ -11884,18 +10759,6 @@
               <a:ln>
                 <a:noFill/>
               </a:ln>
-              <a:extLst>
-                <a:ext uri="{91240B29-F687-4f45-9708-019B960494DF}">
-                  <a14:hiddenLine xmlns:a14="http://schemas.microsoft.com/office/drawing/2010/main" xmlns="" w="9525">
-                    <a:solidFill>
-                      <a:srgbClr val="000000"/>
-                    </a:solidFill>
-                    <a:round/>
-                    <a:headEnd/>
-                    <a:tailEnd/>
-                  </a14:hiddenLine>
-                </a:ext>
-              </a:extLst>
             </p:spPr>
           </p:sp>
           <p:sp>
@@ -11952,18 +10815,6 @@
               <a:ln>
                 <a:noFill/>
               </a:ln>
-              <a:extLst>
-                <a:ext uri="{91240B29-F687-4f45-9708-019B960494DF}">
-                  <a14:hiddenLine xmlns:a14="http://schemas.microsoft.com/office/drawing/2010/main" xmlns="" w="9525">
-                    <a:solidFill>
-                      <a:srgbClr val="000000"/>
-                    </a:solidFill>
-                    <a:round/>
-                    <a:headEnd/>
-                    <a:tailEnd/>
-                  </a14:hiddenLine>
-                </a:ext>
-              </a:extLst>
             </p:spPr>
           </p:sp>
           <p:sp>
@@ -12042,18 +10893,6 @@
               <a:ln>
                 <a:noFill/>
               </a:ln>
-              <a:extLst>
-                <a:ext uri="{91240B29-F687-4f45-9708-019B960494DF}">
-                  <a14:hiddenLine xmlns:a14="http://schemas.microsoft.com/office/drawing/2010/main" xmlns="" w="9525">
-                    <a:solidFill>
-                      <a:srgbClr val="000000"/>
-                    </a:solidFill>
-                    <a:round/>
-                    <a:headEnd/>
-                    <a:tailEnd/>
-                  </a14:hiddenLine>
-                </a:ext>
-              </a:extLst>
             </p:spPr>
           </p:sp>
           <p:sp>
@@ -12076,18 +10915,6 @@
               <a:ln>
                 <a:noFill/>
               </a:ln>
-              <a:extLst>
-                <a:ext uri="{91240B29-F687-4f45-9708-019B960494DF}">
-                  <a14:hiddenLine xmlns:a14="http://schemas.microsoft.com/office/drawing/2010/main" xmlns="" w="9525">
-                    <a:solidFill>
-                      <a:srgbClr val="000000"/>
-                    </a:solidFill>
-                    <a:miter lim="800000"/>
-                    <a:headEnd/>
-                    <a:tailEnd/>
-                  </a14:hiddenLine>
-                </a:ext>
-              </a:extLst>
             </p:spPr>
           </p:sp>
         </p:grpSp>
@@ -12151,6 +10978,7 @@
               <a:rPr lang="zh-CN" altLang="en-US"/>
               <a:t>单击此处编辑母版文本样式</a:t>
             </a:r>
+            <a:endParaRPr lang="zh-CN" altLang="en-US"/>
           </a:p>
           <a:p>
             <a:pPr lvl="1"/>
@@ -12158,6 +10986,7 @@
               <a:rPr lang="zh-CN" altLang="en-US"/>
               <a:t>二级</a:t>
             </a:r>
+            <a:endParaRPr lang="zh-CN" altLang="en-US"/>
           </a:p>
           <a:p>
             <a:pPr lvl="2"/>
@@ -12165,6 +10994,7 @@
               <a:rPr lang="zh-CN" altLang="en-US"/>
               <a:t>三级</a:t>
             </a:r>
+            <a:endParaRPr lang="zh-CN" altLang="en-US"/>
           </a:p>
           <a:p>
             <a:pPr lvl="3"/>
@@ -12172,6 +11002,7 @@
               <a:rPr lang="zh-CN" altLang="en-US"/>
               <a:t>四级</a:t>
             </a:r>
+            <a:endParaRPr lang="zh-CN" altLang="en-US"/>
           </a:p>
           <a:p>
             <a:pPr lvl="4"/>
@@ -12218,8 +11049,6 @@
           <a:p>
             <a:fld id="{48A87A34-81AB-432B-8DAE-1953F412C126}" type="datetimeFigureOut">
               <a:rPr lang="en-US" smtClean="0"/>
-              <a:pPr/>
-              <a:t>5/21/2019</a:t>
             </a:fld>
             <a:endParaRPr lang="en-US" dirty="0"/>
           </a:p>
@@ -12297,40 +11126,33 @@
           <a:p>
             <a:fld id="{6D22F896-40B5-4ADD-8801-0D06FADFA095}" type="slidenum">
               <a:rPr lang="en-US" smtClean="0"/>
-              <a:pPr/>
-              <a:t>‹#›</a:t>
             </a:fld>
             <a:endParaRPr lang="en-US" dirty="0"/>
           </a:p>
         </p:txBody>
       </p:sp>
     </p:spTree>
-    <p:extLst>
-      <p:ext uri="{BB962C8B-B14F-4D97-AF65-F5344CB8AC3E}">
-        <p14:creationId xmlns:p14="http://schemas.microsoft.com/office/powerpoint/2010/main" val="763590009"/>
-      </p:ext>
-    </p:extLst>
   </p:cSld>
   <p:clrMap bg1="dk1" tx1="lt1" bg2="dk2" tx2="lt2" accent1="accent1" accent2="accent2" accent3="accent3" accent4="accent4" accent5="accent5" accent6="accent6" hlink="hlink" folHlink="folHlink"/>
   <p:sldLayoutIdLst>
-    <p:sldLayoutId id="2147483670" r:id="rId1"/>
-    <p:sldLayoutId id="2147483671" r:id="rId2"/>
-    <p:sldLayoutId id="2147483672" r:id="rId3"/>
-    <p:sldLayoutId id="2147483673" r:id="rId4"/>
-    <p:sldLayoutId id="2147483674" r:id="rId5"/>
-    <p:sldLayoutId id="2147483675" r:id="rId6"/>
-    <p:sldLayoutId id="2147483676" r:id="rId7"/>
-    <p:sldLayoutId id="2147483677" r:id="rId8"/>
-    <p:sldLayoutId id="2147483678" r:id="rId9"/>
-    <p:sldLayoutId id="2147483679" r:id="rId10"/>
-    <p:sldLayoutId id="2147483680" r:id="rId11"/>
-    <p:sldLayoutId id="2147483681" r:id="rId12"/>
-    <p:sldLayoutId id="2147483682" r:id="rId13"/>
-    <p:sldLayoutId id="2147483683" r:id="rId14"/>
-    <p:sldLayoutId id="2147483684" r:id="rId15"/>
-    <p:sldLayoutId id="2147483685" r:id="rId16"/>
-    <p:sldLayoutId id="2147483686" r:id="rId17"/>
-    <p:sldLayoutId id="2147483687" r:id="rId18"/>
+    <p:sldLayoutId id="2147483649" r:id="rId1"/>
+    <p:sldLayoutId id="2147483650" r:id="rId2"/>
+    <p:sldLayoutId id="2147483651" r:id="rId3"/>
+    <p:sldLayoutId id="2147483652" r:id="rId4"/>
+    <p:sldLayoutId id="2147483653" r:id="rId5"/>
+    <p:sldLayoutId id="2147483654" r:id="rId6"/>
+    <p:sldLayoutId id="2147483655" r:id="rId7"/>
+    <p:sldLayoutId id="2147483656" r:id="rId8"/>
+    <p:sldLayoutId id="2147483657" r:id="rId9"/>
+    <p:sldLayoutId id="2147483658" r:id="rId10"/>
+    <p:sldLayoutId id="2147483659" r:id="rId11"/>
+    <p:sldLayoutId id="2147483660" r:id="rId12"/>
+    <p:sldLayoutId id="2147483661" r:id="rId13"/>
+    <p:sldLayoutId id="2147483662" r:id="rId14"/>
+    <p:sldLayoutId id="2147483663" r:id="rId15"/>
+    <p:sldLayoutId id="2147483664" r:id="rId16"/>
+    <p:sldLayoutId id="2147483665" r:id="rId17"/>
+    <p:sldLayoutId id="2147483666" r:id="rId18"/>
   </p:sldLayoutIdLst>
   <p:txStyles>
     <p:titleStyle>
@@ -12643,13 +11465,7 @@
       </p:grpSpPr>
       <p:sp>
         <p:nvSpPr>
-          <p:cNvPr id="2" name="标题 1">
-            <a:extLst>
-              <a:ext uri="{FF2B5EF4-FFF2-40B4-BE49-F238E27FC236}">
-                <a16:creationId xmlns:a16="http://schemas.microsoft.com/office/drawing/2014/main" id="{7A5BEB59-5055-49C4-99B9-804A4A5CF7A5}"/>
-              </a:ext>
-            </a:extLst>
-          </p:cNvPr>
+          <p:cNvPr id="2" name="标题 1"/>
           <p:cNvSpPr>
             <a:spLocks noGrp="1"/>
           </p:cNvSpPr>
@@ -12686,13 +11502,7 @@
       </p:sp>
       <p:sp>
         <p:nvSpPr>
-          <p:cNvPr id="3" name="副标题 2">
-            <a:extLst>
-              <a:ext uri="{FF2B5EF4-FFF2-40B4-BE49-F238E27FC236}">
-                <a16:creationId xmlns:a16="http://schemas.microsoft.com/office/drawing/2014/main" id="{EB3390D7-2B84-4091-9F45-BC4C27255FB6}"/>
-              </a:ext>
-            </a:extLst>
-          </p:cNvPr>
+          <p:cNvPr id="3" name="副标题 2"/>
           <p:cNvSpPr>
             <a:spLocks noGrp="1"/>
           </p:cNvSpPr>
@@ -12761,6 +11571,11 @@
               </a:rPr>
               <a:t>1150310609</a:t>
             </a:r>
+            <a:endParaRPr lang="en-US" altLang="zh-CN" dirty="0">
+              <a:solidFill>
+                <a:schemeClr val="tx1"/>
+              </a:solidFill>
+            </a:endParaRPr>
           </a:p>
           <a:p>
             <a:pPr algn="ctr"/>
@@ -12781,11 +11596,6 @@
         </p:txBody>
       </p:sp>
     </p:spTree>
-    <p:extLst>
-      <p:ext uri="{BB962C8B-B14F-4D97-AF65-F5344CB8AC3E}">
-        <p14:creationId xmlns:p14="http://schemas.microsoft.com/office/powerpoint/2010/main" val="84231155"/>
-      </p:ext>
-    </p:extLst>
   </p:cSld>
   <p:clrMapOvr>
     <a:masterClrMapping/>
@@ -12812,13 +11622,7 @@
       </p:grpSpPr>
       <p:sp>
         <p:nvSpPr>
-          <p:cNvPr id="2" name="标题 1">
-            <a:extLst>
-              <a:ext uri="{FF2B5EF4-FFF2-40B4-BE49-F238E27FC236}">
-                <a16:creationId xmlns:a16="http://schemas.microsoft.com/office/drawing/2014/main" id="{D641A336-643C-4857-AAC8-DA1C7BB1F9A2}"/>
-              </a:ext>
-            </a:extLst>
-          </p:cNvPr>
+          <p:cNvPr id="2" name="标题 1"/>
           <p:cNvSpPr>
             <a:spLocks noGrp="1"/>
           </p:cNvSpPr>
@@ -12843,18 +11647,13 @@
               <a:rPr lang="zh-CN" altLang="en-US" cap="none" dirty="0"/>
               <a:t>过程</a:t>
             </a:r>
-          </a:p>
-        </p:txBody>
-      </p:sp>
-      <p:sp>
-        <p:nvSpPr>
-          <p:cNvPr id="3" name="内容占位符 2">
-            <a:extLst>
-              <a:ext uri="{FF2B5EF4-FFF2-40B4-BE49-F238E27FC236}">
-                <a16:creationId xmlns:a16="http://schemas.microsoft.com/office/drawing/2014/main" id="{D736BDC3-BE7F-4223-9837-C7074AC00526}"/>
-              </a:ext>
-            </a:extLst>
-          </p:cNvPr>
+            <a:endParaRPr lang="zh-CN" altLang="en-US" cap="none" dirty="0"/>
+          </a:p>
+        </p:txBody>
+      </p:sp>
+      <p:sp>
+        <p:nvSpPr>
+          <p:cNvPr id="3" name="内容占位符 2"/>
           <p:cNvSpPr>
             <a:spLocks noGrp="1"/>
           </p:cNvSpPr>
@@ -12881,18 +11680,12 @@
       </p:sp>
       <p:pic>
         <p:nvPicPr>
-          <p:cNvPr id="4" name="图片 3">
-            <a:extLst>
-              <a:ext uri="{FF2B5EF4-FFF2-40B4-BE49-F238E27FC236}">
-                <a16:creationId xmlns:a16="http://schemas.microsoft.com/office/drawing/2014/main" id="{E24F1113-31B8-4010-B29A-3602890E55F8}"/>
-              </a:ext>
-            </a:extLst>
-          </p:cNvPr>
+          <p:cNvPr id="4" name="图片 3"/>
           <p:cNvPicPr/>
           <p:nvPr/>
         </p:nvPicPr>
         <p:blipFill>
-          <a:blip r:embed="rId2"/>
+          <a:blip r:embed="rId1"/>
           <a:stretch>
             <a:fillRect/>
           </a:stretch>
@@ -12908,11 +11701,6 @@
         </p:spPr>
       </p:pic>
     </p:spTree>
-    <p:extLst>
-      <p:ext uri="{BB962C8B-B14F-4D97-AF65-F5344CB8AC3E}">
-        <p14:creationId xmlns:p14="http://schemas.microsoft.com/office/powerpoint/2010/main" val="3884873292"/>
-      </p:ext>
-    </p:extLst>
   </p:cSld>
   <p:clrMapOvr>
     <a:masterClrMapping/>
@@ -12939,13 +11727,7 @@
       </p:grpSpPr>
       <p:sp>
         <p:nvSpPr>
-          <p:cNvPr id="2" name="标题 1">
-            <a:extLst>
-              <a:ext uri="{FF2B5EF4-FFF2-40B4-BE49-F238E27FC236}">
-                <a16:creationId xmlns:a16="http://schemas.microsoft.com/office/drawing/2014/main" id="{D641A336-643C-4857-AAC8-DA1C7BB1F9A2}"/>
-              </a:ext>
-            </a:extLst>
-          </p:cNvPr>
+          <p:cNvPr id="2" name="标题 1"/>
           <p:cNvSpPr>
             <a:spLocks noGrp="1"/>
           </p:cNvSpPr>
@@ -12975,18 +11757,13 @@
               <a:rPr lang="zh-CN" altLang="en-US" cap="none" dirty="0"/>
               <a:t>过程</a:t>
             </a:r>
-          </a:p>
-        </p:txBody>
-      </p:sp>
-      <p:sp>
-        <p:nvSpPr>
-          <p:cNvPr id="3" name="内容占位符 2">
-            <a:extLst>
-              <a:ext uri="{FF2B5EF4-FFF2-40B4-BE49-F238E27FC236}">
-                <a16:creationId xmlns:a16="http://schemas.microsoft.com/office/drawing/2014/main" id="{D736BDC3-BE7F-4223-9837-C7074AC00526}"/>
-              </a:ext>
-            </a:extLst>
-          </p:cNvPr>
+            <a:endParaRPr lang="zh-CN" altLang="en-US" cap="none" dirty="0"/>
+          </a:p>
+        </p:txBody>
+      </p:sp>
+      <p:sp>
+        <p:nvSpPr>
+          <p:cNvPr id="3" name="内容占位符 2"/>
           <p:cNvSpPr>
             <a:spLocks noGrp="1"/>
           </p:cNvSpPr>
@@ -13086,18 +11863,12 @@
       </p:sp>
       <p:pic>
         <p:nvPicPr>
-          <p:cNvPr id="5" name="图片 4">
-            <a:extLst>
-              <a:ext uri="{FF2B5EF4-FFF2-40B4-BE49-F238E27FC236}">
-                <a16:creationId xmlns:a16="http://schemas.microsoft.com/office/drawing/2014/main" id="{1DF7B0FE-18CA-4721-844A-B6B01B2F2B09}"/>
-              </a:ext>
-            </a:extLst>
-          </p:cNvPr>
+          <p:cNvPr id="5" name="图片 4"/>
           <p:cNvPicPr/>
           <p:nvPr/>
         </p:nvPicPr>
         <p:blipFill>
-          <a:blip r:embed="rId2"/>
+          <a:blip r:embed="rId1"/>
           <a:stretch>
             <a:fillRect/>
           </a:stretch>
@@ -13113,11 +11884,6 @@
         </p:spPr>
       </p:pic>
     </p:spTree>
-    <p:extLst>
-      <p:ext uri="{BB962C8B-B14F-4D97-AF65-F5344CB8AC3E}">
-        <p14:creationId xmlns:p14="http://schemas.microsoft.com/office/powerpoint/2010/main" val="2390227558"/>
-      </p:ext>
-    </p:extLst>
   </p:cSld>
   <p:clrMapOvr>
     <a:masterClrMapping/>
@@ -13144,13 +11910,7 @@
       </p:grpSpPr>
       <p:sp>
         <p:nvSpPr>
-          <p:cNvPr id="2" name="标题 1">
-            <a:extLst>
-              <a:ext uri="{FF2B5EF4-FFF2-40B4-BE49-F238E27FC236}">
-                <a16:creationId xmlns:a16="http://schemas.microsoft.com/office/drawing/2014/main" id="{D641A336-643C-4857-AAC8-DA1C7BB1F9A2}"/>
-              </a:ext>
-            </a:extLst>
-          </p:cNvPr>
+          <p:cNvPr id="2" name="标题 1"/>
           <p:cNvSpPr>
             <a:spLocks noGrp="1"/>
           </p:cNvSpPr>
@@ -13180,18 +11940,13 @@
               <a:rPr lang="zh-CN" altLang="en-US" cap="none" dirty="0"/>
               <a:t>过程</a:t>
             </a:r>
-          </a:p>
-        </p:txBody>
-      </p:sp>
-      <p:sp>
-        <p:nvSpPr>
-          <p:cNvPr id="3" name="内容占位符 2">
-            <a:extLst>
-              <a:ext uri="{FF2B5EF4-FFF2-40B4-BE49-F238E27FC236}">
-                <a16:creationId xmlns:a16="http://schemas.microsoft.com/office/drawing/2014/main" id="{D736BDC3-BE7F-4223-9837-C7074AC00526}"/>
-              </a:ext>
-            </a:extLst>
-          </p:cNvPr>
+            <a:endParaRPr lang="zh-CN" altLang="en-US" cap="none" dirty="0"/>
+          </a:p>
+        </p:txBody>
+      </p:sp>
+      <p:sp>
+        <p:nvSpPr>
+          <p:cNvPr id="3" name="内容占位符 2"/>
           <p:cNvSpPr>
             <a:spLocks noGrp="1"/>
           </p:cNvSpPr>
@@ -13298,6 +12053,7 @@
               <a:rPr lang="zh-CN" altLang="zh-CN" dirty="0"/>
               <a:t>，若是继续往下执行；</a:t>
             </a:r>
+            <a:endParaRPr lang="zh-CN" altLang="zh-CN" dirty="0"/>
           </a:p>
           <a:p>
             <a:r>
@@ -13340,6 +12096,7 @@
               <a:rPr lang="zh-CN" altLang="zh-CN" dirty="0"/>
               <a:t>进行更新。更新规则：检查当前日志记录的开始时间和已有滑动窗口的中间时间节点的时间差是否大于规定窗口时间的一半，若是，则以当前日志的时间节点为新滑动窗口的中间时间节点，同时复制之前窗口内满足规定时间域的日志记录；若否，则填充当前的滑动窗口。</a:t>
             </a:r>
+            <a:endParaRPr lang="zh-CN" altLang="zh-CN" dirty="0"/>
           </a:p>
           <a:p>
             <a:r>
@@ -13366,6 +12123,7 @@
               <a:rPr lang="zh-CN" altLang="zh-CN" dirty="0"/>
               <a:t>；若是，则需要进行相应的条件检查，继续执行。</a:t>
             </a:r>
+            <a:endParaRPr lang="zh-CN" altLang="zh-CN" dirty="0"/>
           </a:p>
           <a:p>
             <a:r>
@@ -13404,6 +12162,7 @@
               <a:rPr lang="zh-CN" altLang="zh-CN" dirty="0"/>
               <a:t>内添加当前滑动窗口的时间起始点作为热点时间域，当前滑动窗口内的访问次数作为热点时间域的访问次数。</a:t>
             </a:r>
+            <a:endParaRPr lang="zh-CN" altLang="zh-CN" dirty="0"/>
           </a:p>
           <a:p>
             <a:r>
@@ -13414,6 +12173,7 @@
               <a:rPr lang="zh-CN" altLang="zh-CN" dirty="0"/>
               <a:t>、读取日志记录结束</a:t>
             </a:r>
+            <a:endParaRPr lang="zh-CN" altLang="zh-CN" dirty="0"/>
           </a:p>
           <a:p>
             <a:pPr marL="0" indent="0">
@@ -13424,11 +12184,6 @@
         </p:txBody>
       </p:sp>
     </p:spTree>
-    <p:extLst>
-      <p:ext uri="{BB962C8B-B14F-4D97-AF65-F5344CB8AC3E}">
-        <p14:creationId xmlns:p14="http://schemas.microsoft.com/office/powerpoint/2010/main" val="4202170003"/>
-      </p:ext>
-    </p:extLst>
   </p:cSld>
   <p:clrMapOvr>
     <a:masterClrMapping/>
@@ -13455,13 +12210,7 @@
       </p:grpSpPr>
       <p:sp>
         <p:nvSpPr>
-          <p:cNvPr id="2" name="标题 1">
-            <a:extLst>
-              <a:ext uri="{FF2B5EF4-FFF2-40B4-BE49-F238E27FC236}">
-                <a16:creationId xmlns:a16="http://schemas.microsoft.com/office/drawing/2014/main" id="{D641A336-643C-4857-AAC8-DA1C7BB1F9A2}"/>
-              </a:ext>
-            </a:extLst>
-          </p:cNvPr>
+          <p:cNvPr id="2" name="标题 1"/>
           <p:cNvSpPr>
             <a:spLocks noGrp="1"/>
           </p:cNvSpPr>
@@ -13491,18 +12240,13 @@
               <a:rPr lang="zh-CN" altLang="en-US" cap="none" dirty="0"/>
               <a:t>过程</a:t>
             </a:r>
+            <a:endParaRPr lang="zh-CN" altLang="en-US" cap="none" dirty="0"/>
           </a:p>
         </p:txBody>
       </p:sp>
       <p:pic>
         <p:nvPicPr>
-          <p:cNvPr id="6" name="内容占位符 5">
-            <a:extLst>
-              <a:ext uri="{FF2B5EF4-FFF2-40B4-BE49-F238E27FC236}">
-                <a16:creationId xmlns:a16="http://schemas.microsoft.com/office/drawing/2014/main" id="{56930B45-68CA-4F94-A4DC-64F4AE7164FC}"/>
-              </a:ext>
-            </a:extLst>
-          </p:cNvPr>
+          <p:cNvPr id="6" name="内容占位符 5"/>
           <p:cNvPicPr>
             <a:picLocks noGrp="1"/>
           </p:cNvPicPr>
@@ -13511,7 +12255,7 @@
           </p:nvPr>
         </p:nvPicPr>
         <p:blipFill>
-          <a:blip r:embed="rId2"/>
+          <a:blip r:embed="rId1"/>
           <a:stretch>
             <a:fillRect/>
           </a:stretch>
@@ -13527,11 +12271,6 @@
         </p:spPr>
       </p:pic>
     </p:spTree>
-    <p:extLst>
-      <p:ext uri="{BB962C8B-B14F-4D97-AF65-F5344CB8AC3E}">
-        <p14:creationId xmlns:p14="http://schemas.microsoft.com/office/powerpoint/2010/main" val="3104740516"/>
-      </p:ext>
-    </p:extLst>
   </p:cSld>
   <p:clrMapOvr>
     <a:masterClrMapping/>
@@ -13558,13 +12297,7 @@
       </p:grpSpPr>
       <p:sp>
         <p:nvSpPr>
-          <p:cNvPr id="2" name="标题 1">
-            <a:extLst>
-              <a:ext uri="{FF2B5EF4-FFF2-40B4-BE49-F238E27FC236}">
-                <a16:creationId xmlns:a16="http://schemas.microsoft.com/office/drawing/2014/main" id="{D641A336-643C-4857-AAC8-DA1C7BB1F9A2}"/>
-              </a:ext>
-            </a:extLst>
-          </p:cNvPr>
+          <p:cNvPr id="2" name="标题 1"/>
           <p:cNvSpPr>
             <a:spLocks noGrp="1"/>
           </p:cNvSpPr>
@@ -13594,18 +12327,13 @@
               <a:rPr lang="zh-CN" altLang="en-US" cap="none" dirty="0"/>
               <a:t>过程</a:t>
             </a:r>
-          </a:p>
-        </p:txBody>
-      </p:sp>
-      <p:sp>
-        <p:nvSpPr>
-          <p:cNvPr id="4" name="内容占位符 3">
-            <a:extLst>
-              <a:ext uri="{FF2B5EF4-FFF2-40B4-BE49-F238E27FC236}">
-                <a16:creationId xmlns:a16="http://schemas.microsoft.com/office/drawing/2014/main" id="{F55E9D2C-FE1E-4A9A-9AEF-094F0BB0E244}"/>
-              </a:ext>
-            </a:extLst>
-          </p:cNvPr>
+            <a:endParaRPr lang="zh-CN" altLang="en-US" cap="none" dirty="0"/>
+          </a:p>
+        </p:txBody>
+      </p:sp>
+      <p:sp>
+        <p:nvSpPr>
+          <p:cNvPr id="4" name="内容占位符 3"/>
           <p:cNvSpPr>
             <a:spLocks noGrp="1"/>
           </p:cNvSpPr>
@@ -13655,23 +12383,18 @@
               <a:rPr lang="zh-CN" altLang="en-US" dirty="0"/>
               <a:t>。</a:t>
             </a:r>
+            <a:endParaRPr lang="zh-CN" altLang="en-US" dirty="0"/>
           </a:p>
         </p:txBody>
       </p:sp>
       <p:pic>
         <p:nvPicPr>
-          <p:cNvPr id="7" name="图片 6">
-            <a:extLst>
-              <a:ext uri="{FF2B5EF4-FFF2-40B4-BE49-F238E27FC236}">
-                <a16:creationId xmlns:a16="http://schemas.microsoft.com/office/drawing/2014/main" id="{268F37BB-73A7-485E-B476-A092F2E3BB81}"/>
-              </a:ext>
-            </a:extLst>
-          </p:cNvPr>
+          <p:cNvPr id="7" name="图片 6"/>
           <p:cNvPicPr/>
           <p:nvPr/>
         </p:nvPicPr>
         <p:blipFill>
-          <a:blip r:embed="rId2"/>
+          <a:blip r:embed="rId1"/>
           <a:stretch>
             <a:fillRect/>
           </a:stretch>
@@ -13687,11 +12410,6 @@
         </p:spPr>
       </p:pic>
     </p:spTree>
-    <p:extLst>
-      <p:ext uri="{BB962C8B-B14F-4D97-AF65-F5344CB8AC3E}">
-        <p14:creationId xmlns:p14="http://schemas.microsoft.com/office/powerpoint/2010/main" val="3809460726"/>
-      </p:ext>
-    </p:extLst>
   </p:cSld>
   <p:clrMapOvr>
     <a:masterClrMapping/>
@@ -13718,13 +12436,7 @@
       </p:grpSpPr>
       <p:sp>
         <p:nvSpPr>
-          <p:cNvPr id="2" name="标题 1">
-            <a:extLst>
-              <a:ext uri="{FF2B5EF4-FFF2-40B4-BE49-F238E27FC236}">
-                <a16:creationId xmlns:a16="http://schemas.microsoft.com/office/drawing/2014/main" id="{D641A336-643C-4857-AAC8-DA1C7BB1F9A2}"/>
-              </a:ext>
-            </a:extLst>
-          </p:cNvPr>
+          <p:cNvPr id="2" name="标题 1"/>
           <p:cNvSpPr>
             <a:spLocks noGrp="1"/>
           </p:cNvSpPr>
@@ -13732,49 +12444,117 @@
             <p:ph type="title"/>
           </p:nvPr>
         </p:nvSpPr>
-        <p:spPr/>
+        <p:spPr>
+          <a:xfrm>
+            <a:off x="1142683" y="490248"/>
+            <a:ext cx="9905998" cy="1478570"/>
+          </a:xfrm>
+        </p:spPr>
         <p:txBody>
           <a:bodyPr/>
           <a:lstStyle/>
           <a:p>
             <a:r>
+              <a:rPr lang="en-US" altLang="zh-CN" cap="none" dirty="0"/>
+              <a:t>Black_List</a:t>
+            </a:r>
+            <a:r>
               <a:rPr lang="zh-CN" altLang="en-US" cap="none" dirty="0"/>
               <a:t>实验数据测试</a:t>
             </a:r>
-          </a:p>
-        </p:txBody>
-      </p:sp>
-      <p:sp>
-        <p:nvSpPr>
-          <p:cNvPr id="3" name="内容占位符 2">
-            <a:extLst>
-              <a:ext uri="{FF2B5EF4-FFF2-40B4-BE49-F238E27FC236}">
-                <a16:creationId xmlns:a16="http://schemas.microsoft.com/office/drawing/2014/main" id="{D736BDC3-BE7F-4223-9837-C7074AC00526}"/>
-              </a:ext>
-            </a:extLst>
-          </p:cNvPr>
-          <p:cNvSpPr>
-            <a:spLocks noGrp="1"/>
-          </p:cNvSpPr>
+            <a:endParaRPr lang="zh-CN" altLang="en-US" cap="none" dirty="0"/>
+          </a:p>
+        </p:txBody>
+      </p:sp>
+      <p:pic>
+        <p:nvPicPr>
+          <p:cNvPr id="4" name="内容占位符 3" descr="Black_List性能测试"/>
+          <p:cNvPicPr>
+            <a:picLocks noChangeAspect="1"/>
+          </p:cNvPicPr>
           <p:nvPr>
             <p:ph sz="quarter" idx="13"/>
           </p:nvPr>
-        </p:nvSpPr>
-        <p:spPr/>
-        <p:txBody>
-          <a:bodyPr/>
-          <a:lstStyle/>
-          <a:p>
+        </p:nvPicPr>
+        <p:blipFill>
+          <a:blip r:embed="rId1"/>
+          <a:stretch>
+            <a:fillRect/>
+          </a:stretch>
+        </p:blipFill>
+        <p:spPr>
+          <a:xfrm>
+            <a:off x="1843405" y="1532890"/>
+            <a:ext cx="3857625" cy="4970780"/>
+          </a:xfrm>
+          <a:prstGeom prst="rect">
+            <a:avLst/>
+          </a:prstGeom>
+        </p:spPr>
+      </p:pic>
+      <p:sp>
+        <p:nvSpPr>
+          <p:cNvPr id="5" name="文本框 4"/>
+          <p:cNvSpPr txBox="1"/>
+          <p:nvPr/>
+        </p:nvSpPr>
+        <p:spPr>
+          <a:xfrm>
+            <a:off x="6191885" y="1532890"/>
+            <a:ext cx="1694180" cy="368300"/>
+          </a:xfrm>
+          <a:prstGeom prst="rect">
+            <a:avLst/>
+          </a:prstGeom>
+          <a:noFill/>
+        </p:spPr>
+        <p:txBody>
+          <a:bodyPr wrap="square" rtlCol="0">
+            <a:spAutoFit/>
+          </a:bodyPr>
+          <a:p>
+            <a:r>
+              <a:rPr lang="zh-CN" altLang="en-US"/>
+              <a:t>实验分析</a:t>
+            </a:r>
             <a:endParaRPr lang="zh-CN" altLang="en-US"/>
           </a:p>
         </p:txBody>
       </p:sp>
+      <p:sp>
+        <p:nvSpPr>
+          <p:cNvPr id="6" name="文本框 5"/>
+          <p:cNvSpPr txBox="1"/>
+          <p:nvPr/>
+        </p:nvSpPr>
+        <p:spPr>
+          <a:xfrm>
+            <a:off x="6454140" y="1901190"/>
+            <a:ext cx="3399790" cy="2306955"/>
+          </a:xfrm>
+          <a:prstGeom prst="rect">
+            <a:avLst/>
+          </a:prstGeom>
+          <a:noFill/>
+        </p:spPr>
+        <p:txBody>
+          <a:bodyPr wrap="square" rtlCol="0">
+            <a:spAutoFit/>
+          </a:bodyPr>
+          <a:p>
+            <a:r>
+              <a:rPr lang="en-US" altLang="zh-CN"/>
+              <a:t>	</a:t>
+            </a:r>
+            <a:r>
+              <a:rPr lang="zh-CN" altLang="en-US"/>
+              <a:t>在本次实验中，把IP的每个域值的随机生成区间限定在10以内，时间范围14.40分钟之内的访问日志，共生成了200个日志文件，一共11447562条日志数据。Black_List任务的参数是20秒以内访问次数超过15次，该次任务的执行时间为854.40秒。</a:t>
+            </a:r>
+            <a:endParaRPr lang="zh-CN" altLang="en-US"/>
+          </a:p>
+        </p:txBody>
+      </p:sp>
     </p:spTree>
-    <p:extLst>
-      <p:ext uri="{BB962C8B-B14F-4D97-AF65-F5344CB8AC3E}">
-        <p14:creationId xmlns:p14="http://schemas.microsoft.com/office/powerpoint/2010/main" val="2738174339"/>
-      </p:ext>
-    </p:extLst>
   </p:cSld>
   <p:clrMapOvr>
     <a:masterClrMapping/>
@@ -13801,13 +12581,7 @@
       </p:grpSpPr>
       <p:sp>
         <p:nvSpPr>
-          <p:cNvPr id="4" name="文本框 3">
-            <a:extLst>
-              <a:ext uri="{FF2B5EF4-FFF2-40B4-BE49-F238E27FC236}">
-                <a16:creationId xmlns:a16="http://schemas.microsoft.com/office/drawing/2014/main" id="{4B67E888-F374-4D02-BFA3-F786A4C128A5}"/>
-              </a:ext>
-            </a:extLst>
-          </p:cNvPr>
+          <p:cNvPr id="4" name="文本框 3"/>
           <p:cNvSpPr txBox="1"/>
           <p:nvPr/>
         </p:nvSpPr>
@@ -13831,15 +12605,11 @@
               <a:rPr lang="zh-CN" altLang="en-US" sz="4800" dirty="0"/>
               <a:t>谢谢聆听！</a:t>
             </a:r>
+            <a:endParaRPr lang="zh-CN" altLang="en-US" sz="4800" dirty="0"/>
           </a:p>
         </p:txBody>
       </p:sp>
     </p:spTree>
-    <p:extLst>
-      <p:ext uri="{BB962C8B-B14F-4D97-AF65-F5344CB8AC3E}">
-        <p14:creationId xmlns:p14="http://schemas.microsoft.com/office/powerpoint/2010/main" val="203435719"/>
-      </p:ext>
-    </p:extLst>
   </p:cSld>
   <p:clrMapOvr>
     <a:masterClrMapping/>
@@ -13866,13 +12636,7 @@
       </p:grpSpPr>
       <p:sp>
         <p:nvSpPr>
-          <p:cNvPr id="2" name="标题 1">
-            <a:extLst>
-              <a:ext uri="{FF2B5EF4-FFF2-40B4-BE49-F238E27FC236}">
-                <a16:creationId xmlns:a16="http://schemas.microsoft.com/office/drawing/2014/main" id="{782BF8EA-88C4-4525-B878-C834E0376EB8}"/>
-              </a:ext>
-            </a:extLst>
-          </p:cNvPr>
+          <p:cNvPr id="2" name="标题 1"/>
           <p:cNvSpPr>
             <a:spLocks noGrp="1"/>
           </p:cNvSpPr>
@@ -13890,18 +12654,13 @@
               <a:rPr lang="zh-CN" altLang="en-US" dirty="0"/>
               <a:t>目录</a:t>
             </a:r>
-          </a:p>
-        </p:txBody>
-      </p:sp>
-      <p:sp>
-        <p:nvSpPr>
-          <p:cNvPr id="3" name="内容占位符 2">
-            <a:extLst>
-              <a:ext uri="{FF2B5EF4-FFF2-40B4-BE49-F238E27FC236}">
-                <a16:creationId xmlns:a16="http://schemas.microsoft.com/office/drawing/2014/main" id="{65557149-BC6A-44C0-AACE-29ACB8891401}"/>
-              </a:ext>
-            </a:extLst>
-          </p:cNvPr>
+            <a:endParaRPr lang="zh-CN" altLang="en-US" dirty="0"/>
+          </a:p>
+        </p:txBody>
+      </p:sp>
+      <p:sp>
+        <p:nvSpPr>
+          <p:cNvPr id="3" name="内容占位符 2"/>
           <p:cNvSpPr>
             <a:spLocks noGrp="1"/>
           </p:cNvSpPr>
@@ -13952,15 +12711,11 @@
               <a:rPr lang="zh-CN" altLang="en-US" cap="none" dirty="0"/>
               <a:t>实验数据测试</a:t>
             </a:r>
+            <a:endParaRPr lang="zh-CN" altLang="en-US" cap="none" dirty="0"/>
           </a:p>
         </p:txBody>
       </p:sp>
     </p:spTree>
-    <p:extLst>
-      <p:ext uri="{BB962C8B-B14F-4D97-AF65-F5344CB8AC3E}">
-        <p14:creationId xmlns:p14="http://schemas.microsoft.com/office/powerpoint/2010/main" val="3481852540"/>
-      </p:ext>
-    </p:extLst>
   </p:cSld>
   <p:clrMapOvr>
     <a:masterClrMapping/>
@@ -13987,13 +12742,7 @@
       </p:grpSpPr>
       <p:sp>
         <p:nvSpPr>
-          <p:cNvPr id="2" name="标题 1">
-            <a:extLst>
-              <a:ext uri="{FF2B5EF4-FFF2-40B4-BE49-F238E27FC236}">
-                <a16:creationId xmlns:a16="http://schemas.microsoft.com/office/drawing/2014/main" id="{D641A336-643C-4857-AAC8-DA1C7BB1F9A2}"/>
-              </a:ext>
-            </a:extLst>
-          </p:cNvPr>
+          <p:cNvPr id="2" name="标题 1"/>
           <p:cNvSpPr>
             <a:spLocks noGrp="1"/>
           </p:cNvSpPr>
@@ -14010,18 +12759,13 @@
               <a:rPr lang="zh-CN" altLang="en-US" dirty="0"/>
               <a:t>运行环境</a:t>
             </a:r>
-          </a:p>
-        </p:txBody>
-      </p:sp>
-      <p:sp>
-        <p:nvSpPr>
-          <p:cNvPr id="3" name="内容占位符 2">
-            <a:extLst>
-              <a:ext uri="{FF2B5EF4-FFF2-40B4-BE49-F238E27FC236}">
-                <a16:creationId xmlns:a16="http://schemas.microsoft.com/office/drawing/2014/main" id="{D736BDC3-BE7F-4223-9837-C7074AC00526}"/>
-              </a:ext>
-            </a:extLst>
-          </p:cNvPr>
+            <a:endParaRPr lang="zh-CN" altLang="en-US" dirty="0"/>
+          </a:p>
+        </p:txBody>
+      </p:sp>
+      <p:sp>
+        <p:nvSpPr>
+          <p:cNvPr id="3" name="内容占位符 2"/>
           <p:cNvSpPr>
             <a:spLocks noGrp="1"/>
           </p:cNvSpPr>
@@ -14054,11 +12798,6 @@
         </p:txBody>
       </p:sp>
     </p:spTree>
-    <p:extLst>
-      <p:ext uri="{BB962C8B-B14F-4D97-AF65-F5344CB8AC3E}">
-        <p14:creationId xmlns:p14="http://schemas.microsoft.com/office/powerpoint/2010/main" val="775153965"/>
-      </p:ext>
-    </p:extLst>
   </p:cSld>
   <p:clrMapOvr>
     <a:masterClrMapping/>
@@ -14085,13 +12824,7 @@
       </p:grpSpPr>
       <p:sp>
         <p:nvSpPr>
-          <p:cNvPr id="2" name="标题 1">
-            <a:extLst>
-              <a:ext uri="{FF2B5EF4-FFF2-40B4-BE49-F238E27FC236}">
-                <a16:creationId xmlns:a16="http://schemas.microsoft.com/office/drawing/2014/main" id="{D641A336-643C-4857-AAC8-DA1C7BB1F9A2}"/>
-              </a:ext>
-            </a:extLst>
-          </p:cNvPr>
+          <p:cNvPr id="2" name="标题 1"/>
           <p:cNvSpPr>
             <a:spLocks noGrp="1"/>
           </p:cNvSpPr>
@@ -14108,18 +12841,13 @@
               <a:rPr lang="zh-CN" altLang="en-US" dirty="0"/>
               <a:t>数据生成</a:t>
             </a:r>
-          </a:p>
-        </p:txBody>
-      </p:sp>
-      <p:sp>
-        <p:nvSpPr>
-          <p:cNvPr id="3" name="内容占位符 2">
-            <a:extLst>
-              <a:ext uri="{FF2B5EF4-FFF2-40B4-BE49-F238E27FC236}">
-                <a16:creationId xmlns:a16="http://schemas.microsoft.com/office/drawing/2014/main" id="{D736BDC3-BE7F-4223-9837-C7074AC00526}"/>
-              </a:ext>
-            </a:extLst>
-          </p:cNvPr>
+            <a:endParaRPr lang="zh-CN" altLang="en-US" dirty="0"/>
+          </a:p>
+        </p:txBody>
+      </p:sp>
+      <p:sp>
+        <p:nvSpPr>
+          <p:cNvPr id="3" name="内容占位符 2"/>
           <p:cNvSpPr>
             <a:spLocks noGrp="1"/>
           </p:cNvSpPr>
@@ -14134,24 +12862,36 @@
           <a:p>
             <a:r>
               <a:rPr lang="zh-CN" altLang="en-US" dirty="0"/>
-              <a:t>日志数据格式：</a:t>
-            </a:r>
-            <a:endParaRPr lang="en-US" altLang="zh-CN" dirty="0"/>
+              <a:t>日志数据格式：访问IP	Access_time</a:t>
+            </a:r>
+            <a:endParaRPr lang="zh-CN" altLang="en-US" dirty="0"/>
           </a:p>
           <a:p>
             <a:r>
               <a:rPr lang="zh-CN" altLang="en-US" dirty="0"/>
               <a:t>日志生成方式：</a:t>
             </a:r>
+            <a:endParaRPr lang="zh-CN" altLang="en-US" dirty="0"/>
+          </a:p>
+          <a:p>
+            <a:pPr lvl="1"/>
+            <a:r>
+              <a:rPr lang="zh-CN" altLang="en-US" dirty="0"/>
+              <a:t>访问IP生成：通过随机生成在特定域的随机数，将其拼接为标准的IPv4地址作为本条日志的访问IP地址。</a:t>
+            </a:r>
+            <a:endParaRPr lang="zh-CN" altLang="en-US" dirty="0"/>
+          </a:p>
+          <a:p>
+            <a:pPr lvl="1"/>
+            <a:r>
+              <a:rPr lang="zh-CN" altLang="en-US" dirty="0"/>
+              <a:t>访问时间的生成：先输入日志记录的开始时间及其日志记录范围，利用Unix存在的时间戳概念，将开始时间转换为时间戳。再随机生成日志记录范围内对应秒数的整数值，将两数相加，得到一个新的时间戳，该时间戳即为一个随机的访问时间，在将其转换为对应的访问时间的日志格式作为该条日志的访问时间。</a:t>
+            </a:r>
+            <a:endParaRPr lang="zh-CN" altLang="en-US" dirty="0"/>
           </a:p>
         </p:txBody>
       </p:sp>
     </p:spTree>
-    <p:extLst>
-      <p:ext uri="{BB962C8B-B14F-4D97-AF65-F5344CB8AC3E}">
-        <p14:creationId xmlns:p14="http://schemas.microsoft.com/office/powerpoint/2010/main" val="1643998934"/>
-      </p:ext>
-    </p:extLst>
   </p:cSld>
   <p:clrMapOvr>
     <a:masterClrMapping/>
@@ -14178,13 +12918,7 @@
       </p:grpSpPr>
       <p:sp>
         <p:nvSpPr>
-          <p:cNvPr id="2" name="标题 1">
-            <a:extLst>
-              <a:ext uri="{FF2B5EF4-FFF2-40B4-BE49-F238E27FC236}">
-                <a16:creationId xmlns:a16="http://schemas.microsoft.com/office/drawing/2014/main" id="{D641A336-643C-4857-AAC8-DA1C7BB1F9A2}"/>
-              </a:ext>
-            </a:extLst>
-          </p:cNvPr>
+          <p:cNvPr id="2" name="标题 1"/>
           <p:cNvSpPr>
             <a:spLocks noGrp="1"/>
           </p:cNvSpPr>
@@ -14207,20 +12941,15 @@
             </a:r>
             <a:r>
               <a:rPr lang="zh-CN" altLang="en-US" cap="none" dirty="0"/>
-              <a:t>功能描述</a:t>
-            </a:r>
-          </a:p>
-        </p:txBody>
-      </p:sp>
-      <p:sp>
-        <p:nvSpPr>
-          <p:cNvPr id="3" name="内容占位符 2">
-            <a:extLst>
-              <a:ext uri="{FF2B5EF4-FFF2-40B4-BE49-F238E27FC236}">
-                <a16:creationId xmlns:a16="http://schemas.microsoft.com/office/drawing/2014/main" id="{D736BDC3-BE7F-4223-9837-C7074AC00526}"/>
-              </a:ext>
-            </a:extLst>
-          </p:cNvPr>
+              <a:t>功能及实现方式简述</a:t>
+            </a:r>
+            <a:endParaRPr lang="zh-CN" altLang="en-US" cap="none" dirty="0"/>
+          </a:p>
+        </p:txBody>
+      </p:sp>
+      <p:sp>
+        <p:nvSpPr>
+          <p:cNvPr id="3" name="内容占位符 2"/>
           <p:cNvSpPr>
             <a:spLocks noGrp="1"/>
           </p:cNvSpPr>
@@ -14233,16 +12962,42 @@
           <a:bodyPr/>
           <a:lstStyle/>
           <a:p>
+            <a:r>
+              <a:rPr lang="zh-CN" altLang="en-US"/>
+              <a:t>通过对访问日志数据进行统计，依据每个</a:t>
+            </a:r>
+            <a:r>
+              <a:rPr lang="en-US" altLang="zh-CN"/>
+              <a:t>IP</a:t>
+            </a:r>
+            <a:r>
+              <a:rPr lang="zh-CN" altLang="en-US"/>
+              <a:t>的访问次数进行排序，将前</a:t>
+            </a:r>
+            <a:r>
+              <a:rPr lang="en-US" altLang="zh-CN"/>
+              <a:t>K</a:t>
+            </a:r>
+            <a:r>
+              <a:rPr lang="zh-CN" altLang="en-US"/>
+              <a:t>个结果</a:t>
+            </a:r>
+            <a:r>
+              <a:rPr lang="zh-CN" altLang="en-US"/>
+              <a:t>输出出来。</a:t>
+            </a:r>
             <a:endParaRPr lang="zh-CN" altLang="en-US"/>
           </a:p>
+          <a:p>
+            <a:r>
+              <a:rPr lang="zh-CN" altLang="en-US"/>
+              <a:t>利用map-reduce的编程框架，对数据进行了两次map-reduce操作，将高频访问的IP按照访问次数排序输出。</a:t>
+            </a:r>
+            <a:endParaRPr lang="zh-CN" altLang="en-US"/>
+          </a:p>
         </p:txBody>
       </p:sp>
     </p:spTree>
-    <p:extLst>
-      <p:ext uri="{BB962C8B-B14F-4D97-AF65-F5344CB8AC3E}">
-        <p14:creationId xmlns:p14="http://schemas.microsoft.com/office/powerpoint/2010/main" val="472186897"/>
-      </p:ext>
-    </p:extLst>
   </p:cSld>
   <p:clrMapOvr>
     <a:masterClrMapping/>
@@ -14269,13 +13024,7 @@
       </p:grpSpPr>
       <p:sp>
         <p:nvSpPr>
-          <p:cNvPr id="2" name="标题 1">
-            <a:extLst>
-              <a:ext uri="{FF2B5EF4-FFF2-40B4-BE49-F238E27FC236}">
-                <a16:creationId xmlns:a16="http://schemas.microsoft.com/office/drawing/2014/main" id="{D641A336-643C-4857-AAC8-DA1C7BB1F9A2}"/>
-              </a:ext>
-            </a:extLst>
-          </p:cNvPr>
+          <p:cNvPr id="2" name="标题 1"/>
           <p:cNvSpPr>
             <a:spLocks noGrp="1"/>
           </p:cNvSpPr>
@@ -14294,24 +13043,19 @@
             </a:r>
             <a:r>
               <a:rPr lang="en-US" altLang="zh-CN" cap="none" dirty="0"/>
-              <a:t>—</a:t>
+              <a:t>—MapReduce</a:t>
             </a:r>
             <a:r>
               <a:rPr lang="zh-CN" altLang="en-US" cap="none" dirty="0"/>
-              <a:t>实现方式简述</a:t>
-            </a:r>
-          </a:p>
-        </p:txBody>
-      </p:sp>
-      <p:sp>
-        <p:nvSpPr>
-          <p:cNvPr id="3" name="内容占位符 2">
-            <a:extLst>
-              <a:ext uri="{FF2B5EF4-FFF2-40B4-BE49-F238E27FC236}">
-                <a16:creationId xmlns:a16="http://schemas.microsoft.com/office/drawing/2014/main" id="{D736BDC3-BE7F-4223-9837-C7074AC00526}"/>
-              </a:ext>
-            </a:extLst>
-          </p:cNvPr>
+              <a:t>过程</a:t>
+            </a:r>
+            <a:endParaRPr lang="zh-CN" altLang="en-US" cap="none" dirty="0"/>
+          </a:p>
+        </p:txBody>
+      </p:sp>
+      <p:sp>
+        <p:nvSpPr>
+          <p:cNvPr id="3" name="内容占位符 2"/>
           <p:cNvSpPr>
             <a:spLocks noGrp="1"/>
           </p:cNvSpPr>
@@ -14319,21 +13063,82 @@
             <p:ph sz="quarter" idx="13"/>
           </p:nvPr>
         </p:nvSpPr>
-        <p:spPr/>
-        <p:txBody>
-          <a:bodyPr/>
+        <p:spPr>
+          <a:xfrm>
+            <a:off x="913765" y="1949450"/>
+            <a:ext cx="10363835" cy="3841750"/>
+          </a:xfrm>
+        </p:spPr>
+        <p:txBody>
+          <a:bodyPr>
+            <a:normAutofit fontScale="90000" lnSpcReduction="10000"/>
+          </a:bodyPr>
           <a:lstStyle/>
           <a:p>
-            <a:endParaRPr lang="zh-CN" altLang="en-US"/>
+            <a:r>
+              <a:rPr lang="zh-CN" altLang="en-US" dirty="0"/>
+              <a:t>第一次</a:t>
+            </a:r>
+            <a:endParaRPr lang="zh-CN" altLang="en-US" dirty="0"/>
+          </a:p>
+          <a:p>
+            <a:pPr lvl="1"/>
+            <a:r>
+              <a:rPr lang="en-US" altLang="zh-CN" sz="2000" dirty="0"/>
+              <a:t>map</a:t>
+            </a:r>
+            <a:r>
+              <a:rPr lang="zh-CN" altLang="en-US" sz="2000" dirty="0"/>
+              <a:t>：读取生成的日志文本数据，将每一条日志文本数据：访问IP	Access_time以key:IP  value：1的数据对存入程序中</a:t>
+            </a:r>
+            <a:endParaRPr lang="zh-CN" altLang="en-US" sz="2000" dirty="0"/>
+          </a:p>
+          <a:p>
+            <a:pPr lvl="1"/>
+            <a:r>
+              <a:rPr lang="en-US" altLang="zh-CN" sz="2000" dirty="0"/>
+              <a:t>reduce</a:t>
+            </a:r>
+            <a:r>
+              <a:rPr lang="zh-CN" altLang="en-US" sz="2000" dirty="0"/>
+              <a:t>：将程序中存在的每一个key:IP相同的合并，其value为相同的IP的次数，即输出结果为：IP	访问次数</a:t>
+            </a:r>
+            <a:endParaRPr lang="zh-CN" altLang="en-US" sz="2000" dirty="0"/>
+          </a:p>
+          <a:p>
+            <a:r>
+              <a:rPr lang="zh-CN" altLang="en-US" dirty="0"/>
+              <a:t>第二次</a:t>
+            </a:r>
+            <a:endParaRPr lang="zh-CN" altLang="en-US" dirty="0"/>
+          </a:p>
+          <a:p>
+            <a:pPr lvl="1"/>
+            <a:r>
+              <a:rPr lang="en-US" altLang="zh-CN" dirty="0"/>
+              <a:t>map</a:t>
+            </a:r>
+            <a:r>
+              <a:rPr lang="zh-CN" altLang="en-US" dirty="0"/>
+              <a:t>：将第一次map	-reduce的结果以形式：key：访问次数	value：IP的数据对存储在程序中</a:t>
+            </a:r>
+            <a:endParaRPr lang="zh-CN" altLang="en-US" dirty="0"/>
+          </a:p>
+          <a:p>
+            <a:pPr lvl="1"/>
+            <a:r>
+              <a:rPr lang="en-US" altLang="zh-CN" dirty="0"/>
+              <a:t>reduce</a:t>
+            </a:r>
+            <a:r>
+              <a:rPr lang="zh-CN" altLang="en-US" dirty="0"/>
+              <a:t>：利用map-reduce框架的自动排序，将访问次数高的数据对排序到前面，然后将其结果输入到一个文本文件中，该文件的内容即为所求TopK的次序</a:t>
+            </a:r>
+            <a:endParaRPr lang="zh-CN" altLang="en-US" dirty="0"/>
           </a:p>
         </p:txBody>
       </p:sp>
     </p:spTree>
-    <p:extLst>
-      <p:ext uri="{BB962C8B-B14F-4D97-AF65-F5344CB8AC3E}">
-        <p14:creationId xmlns:p14="http://schemas.microsoft.com/office/powerpoint/2010/main" val="124037139"/>
-      </p:ext>
-    </p:extLst>
   </p:cSld>
   <p:clrMapOvr>
     <a:masterClrMapping/>
@@ -14360,13 +13165,7 @@
       </p:grpSpPr>
       <p:sp>
         <p:nvSpPr>
-          <p:cNvPr id="2" name="标题 1">
-            <a:extLst>
-              <a:ext uri="{FF2B5EF4-FFF2-40B4-BE49-F238E27FC236}">
-                <a16:creationId xmlns:a16="http://schemas.microsoft.com/office/drawing/2014/main" id="{D641A336-643C-4857-AAC8-DA1C7BB1F9A2}"/>
-              </a:ext>
-            </a:extLst>
-          </p:cNvPr>
+          <p:cNvPr id="2" name="标题 1"/>
           <p:cNvSpPr>
             <a:spLocks noGrp="1"/>
           </p:cNvSpPr>
@@ -14374,67 +13173,146 @@
             <p:ph type="title"/>
           </p:nvPr>
         </p:nvSpPr>
-        <p:spPr/>
+        <p:spPr>
+          <a:xfrm>
+            <a:off x="1142683" y="454688"/>
+            <a:ext cx="9905998" cy="1478570"/>
+          </a:xfrm>
+        </p:spPr>
         <p:txBody>
           <a:bodyPr/>
           <a:lstStyle/>
           <a:p>
             <a:r>
-              <a:rPr lang="en-US" altLang="zh-CN" cap="none" dirty="0" err="1"/>
+              <a:rPr lang="en-US" altLang="zh-CN" cap="none" dirty="0"/>
               <a:t>TopK</a:t>
             </a:r>
             <a:r>
-              <a:rPr lang="en-US" altLang="zh-CN" cap="none" dirty="0"/>
-              <a:t>—MapReduce</a:t>
-            </a:r>
-            <a:r>
               <a:rPr lang="zh-CN" altLang="en-US" cap="none" dirty="0"/>
-              <a:t>过程</a:t>
-            </a:r>
-          </a:p>
-        </p:txBody>
-      </p:sp>
-      <p:sp>
-        <p:nvSpPr>
-          <p:cNvPr id="3" name="内容占位符 2">
-            <a:extLst>
-              <a:ext uri="{FF2B5EF4-FFF2-40B4-BE49-F238E27FC236}">
-                <a16:creationId xmlns:a16="http://schemas.microsoft.com/office/drawing/2014/main" id="{D736BDC3-BE7F-4223-9837-C7074AC00526}"/>
-              </a:ext>
-            </a:extLst>
-          </p:cNvPr>
-          <p:cNvSpPr>
-            <a:spLocks noGrp="1"/>
-          </p:cNvSpPr>
+              <a:t>实验数据测试</a:t>
+            </a:r>
+            <a:endParaRPr lang="zh-CN" altLang="en-US" cap="none" dirty="0"/>
+          </a:p>
+        </p:txBody>
+      </p:sp>
+      <p:pic>
+        <p:nvPicPr>
+          <p:cNvPr id="4" name="内容占位符 3" descr="TopK性能测试"/>
+          <p:cNvPicPr>
+            <a:picLocks noChangeAspect="1"/>
+          </p:cNvPicPr>
           <p:nvPr>
             <p:ph sz="quarter" idx="13"/>
           </p:nvPr>
-        </p:nvSpPr>
-        <p:spPr/>
-        <p:txBody>
-          <a:bodyPr/>
-          <a:lstStyle/>
-          <a:p>
-            <a:r>
-              <a:rPr lang="zh-CN" altLang="en-US" dirty="0"/>
-              <a:t>第一次</a:t>
-            </a:r>
-            <a:endParaRPr lang="en-US" altLang="zh-CN" dirty="0"/>
-          </a:p>
-          <a:p>
-            <a:r>
-              <a:rPr lang="zh-CN" altLang="en-US" dirty="0"/>
-              <a:t>第二次</a:t>
-            </a:r>
+        </p:nvPicPr>
+        <p:blipFill>
+          <a:blip r:embed="rId1"/>
+          <a:stretch>
+            <a:fillRect/>
+          </a:stretch>
+        </p:blipFill>
+        <p:spPr>
+          <a:xfrm>
+            <a:off x="1285240" y="1932940"/>
+            <a:ext cx="6790055" cy="3423920"/>
+          </a:xfrm>
+          <a:prstGeom prst="rect">
+            <a:avLst/>
+          </a:prstGeom>
+        </p:spPr>
+      </p:pic>
+      <p:sp>
+        <p:nvSpPr>
+          <p:cNvPr id="5" name="文本框 4"/>
+          <p:cNvSpPr txBox="1"/>
+          <p:nvPr/>
+        </p:nvSpPr>
+        <p:spPr>
+          <a:xfrm>
+            <a:off x="874395" y="1496695"/>
+            <a:ext cx="1891665" cy="368300"/>
+          </a:xfrm>
+          <a:prstGeom prst="rect">
+            <a:avLst/>
+          </a:prstGeom>
+          <a:noFill/>
+        </p:spPr>
+        <p:txBody>
+          <a:bodyPr wrap="square" rtlCol="0">
+            <a:spAutoFit/>
+          </a:bodyPr>
+          <a:p>
+            <a:r>
+              <a:rPr lang="zh-CN" altLang="en-US"/>
+              <a:t>运行截图</a:t>
+            </a:r>
+            <a:endParaRPr lang="zh-CN" altLang="en-US"/>
+          </a:p>
+        </p:txBody>
+      </p:sp>
+      <p:sp>
+        <p:nvSpPr>
+          <p:cNvPr id="6" name="文本框 5"/>
+          <p:cNvSpPr txBox="1"/>
+          <p:nvPr/>
+        </p:nvSpPr>
+        <p:spPr>
+          <a:xfrm>
+            <a:off x="959485" y="5421630"/>
+            <a:ext cx="1167130" cy="368300"/>
+          </a:xfrm>
+          <a:prstGeom prst="rect">
+            <a:avLst/>
+          </a:prstGeom>
+          <a:noFill/>
+        </p:spPr>
+        <p:txBody>
+          <a:bodyPr wrap="square" rtlCol="0">
+            <a:spAutoFit/>
+          </a:bodyPr>
+          <a:p>
+            <a:r>
+              <a:rPr lang="zh-CN" altLang="en-US"/>
+              <a:t>结果分析</a:t>
+            </a:r>
+            <a:endParaRPr lang="zh-CN" altLang="en-US"/>
+          </a:p>
+        </p:txBody>
+      </p:sp>
+      <p:sp>
+        <p:nvSpPr>
+          <p:cNvPr id="7" name="文本框 6"/>
+          <p:cNvSpPr txBox="1"/>
+          <p:nvPr/>
+        </p:nvSpPr>
+        <p:spPr>
+          <a:xfrm>
+            <a:off x="1285240" y="5789930"/>
+            <a:ext cx="8935720" cy="645160"/>
+          </a:xfrm>
+          <a:prstGeom prst="rect">
+            <a:avLst/>
+          </a:prstGeom>
+          <a:noFill/>
+        </p:spPr>
+        <p:txBody>
+          <a:bodyPr wrap="square" rtlCol="0">
+            <a:spAutoFit/>
+          </a:bodyPr>
+          <a:p>
+            <a:r>
+              <a:rPr lang="en-US" altLang="zh-CN"/>
+              <a:t>	</a:t>
+            </a:r>
+            <a:r>
+              <a:rPr lang="zh-CN" altLang="en-US"/>
+              <a:t>在本次实验中，把IP的每个域值的随机生成区间限定在10以内。共生成了200个日志文件，一共11447562条日志数据。TopK任务的执行时间为30.98秒。</a:t>
+            </a:r>
+            <a:endParaRPr lang="zh-CN" altLang="en-US"/>
           </a:p>
         </p:txBody>
       </p:sp>
     </p:spTree>
-    <p:extLst>
-      <p:ext uri="{BB962C8B-B14F-4D97-AF65-F5344CB8AC3E}">
-        <p14:creationId xmlns:p14="http://schemas.microsoft.com/office/powerpoint/2010/main" val="3503196692"/>
-      </p:ext>
-    </p:extLst>
   </p:cSld>
   <p:clrMapOvr>
     <a:masterClrMapping/>
@@ -14461,13 +13339,7 @@
       </p:grpSpPr>
       <p:sp>
         <p:nvSpPr>
-          <p:cNvPr id="2" name="标题 1">
-            <a:extLst>
-              <a:ext uri="{FF2B5EF4-FFF2-40B4-BE49-F238E27FC236}">
-                <a16:creationId xmlns:a16="http://schemas.microsoft.com/office/drawing/2014/main" id="{D641A336-643C-4857-AAC8-DA1C7BB1F9A2}"/>
-              </a:ext>
-            </a:extLst>
-          </p:cNvPr>
+          <p:cNvPr id="2" name="标题 1"/>
           <p:cNvSpPr>
             <a:spLocks noGrp="1"/>
           </p:cNvSpPr>
@@ -14492,18 +13364,13 @@
               <a:rPr lang="zh-CN" altLang="en-US" cap="none" dirty="0"/>
               <a:t>功能描述</a:t>
             </a:r>
-          </a:p>
-        </p:txBody>
-      </p:sp>
-      <p:sp>
-        <p:nvSpPr>
-          <p:cNvPr id="3" name="内容占位符 2">
-            <a:extLst>
-              <a:ext uri="{FF2B5EF4-FFF2-40B4-BE49-F238E27FC236}">
-                <a16:creationId xmlns:a16="http://schemas.microsoft.com/office/drawing/2014/main" id="{D736BDC3-BE7F-4223-9837-C7074AC00526}"/>
-              </a:ext>
-            </a:extLst>
-          </p:cNvPr>
+            <a:endParaRPr lang="zh-CN" altLang="en-US" cap="none" dirty="0"/>
+          </a:p>
+        </p:txBody>
+      </p:sp>
+      <p:sp>
+        <p:nvSpPr>
+          <p:cNvPr id="3" name="内容占位符 2"/>
           <p:cNvSpPr>
             <a:spLocks noGrp="1"/>
           </p:cNvSpPr>
@@ -14540,11 +13407,6 @@
         </p:txBody>
       </p:sp>
     </p:spTree>
-    <p:extLst>
-      <p:ext uri="{BB962C8B-B14F-4D97-AF65-F5344CB8AC3E}">
-        <p14:creationId xmlns:p14="http://schemas.microsoft.com/office/powerpoint/2010/main" val="1509133093"/>
-      </p:ext>
-    </p:extLst>
   </p:cSld>
   <p:clrMapOvr>
     <a:masterClrMapping/>
@@ -14571,13 +13433,7 @@
       </p:grpSpPr>
       <p:sp>
         <p:nvSpPr>
-          <p:cNvPr id="2" name="标题 1">
-            <a:extLst>
-              <a:ext uri="{FF2B5EF4-FFF2-40B4-BE49-F238E27FC236}">
-                <a16:creationId xmlns:a16="http://schemas.microsoft.com/office/drawing/2014/main" id="{D641A336-643C-4857-AAC8-DA1C7BB1F9A2}"/>
-              </a:ext>
-            </a:extLst>
-          </p:cNvPr>
+          <p:cNvPr id="2" name="标题 1"/>
           <p:cNvSpPr>
             <a:spLocks noGrp="1"/>
           </p:cNvSpPr>
@@ -14602,18 +13458,13 @@
               <a:rPr lang="zh-CN" altLang="en-US" cap="none" dirty="0"/>
               <a:t>实现方式简述</a:t>
             </a:r>
-          </a:p>
-        </p:txBody>
-      </p:sp>
-      <p:sp>
-        <p:nvSpPr>
-          <p:cNvPr id="3" name="内容占位符 2">
-            <a:extLst>
-              <a:ext uri="{FF2B5EF4-FFF2-40B4-BE49-F238E27FC236}">
-                <a16:creationId xmlns:a16="http://schemas.microsoft.com/office/drawing/2014/main" id="{D736BDC3-BE7F-4223-9837-C7074AC00526}"/>
-              </a:ext>
-            </a:extLst>
-          </p:cNvPr>
+            <a:endParaRPr lang="zh-CN" altLang="en-US" cap="none" dirty="0"/>
+          </a:p>
+        </p:txBody>
+      </p:sp>
+      <p:sp>
+        <p:nvSpPr>
+          <p:cNvPr id="3" name="内容占位符 2"/>
           <p:cNvSpPr>
             <a:spLocks noGrp="1"/>
           </p:cNvSpPr>
@@ -14638,6 +13489,7 @@
               <a:rPr lang="zh-CN" altLang="zh-CN" dirty="0"/>
               <a:t>架构，对日志数据进行统计，设计相应的数据结构使得需要的数据能够进行排序，然后输出答案；</a:t>
             </a:r>
+            <a:endParaRPr lang="zh-CN" altLang="zh-CN" dirty="0"/>
           </a:p>
           <a:p>
             <a:r>
@@ -14660,6 +13512,7 @@
               <a:rPr lang="zh-CN" altLang="zh-CN" dirty="0"/>
               <a:t>在该时间段内是否违反规定成为了黑名单用户。</a:t>
             </a:r>
+            <a:endParaRPr lang="zh-CN" altLang="zh-CN" dirty="0"/>
           </a:p>
           <a:p>
             <a:pPr marL="0" indent="0">
@@ -14670,11 +13523,6 @@
         </p:txBody>
       </p:sp>
     </p:spTree>
-    <p:extLst>
-      <p:ext uri="{BB962C8B-B14F-4D97-AF65-F5344CB8AC3E}">
-        <p14:creationId xmlns:p14="http://schemas.microsoft.com/office/powerpoint/2010/main" val="3335532743"/>
-      </p:ext>
-    </p:extLst>
   </p:cSld>
   <p:clrMapOvr>
     <a:masterClrMapping/>
@@ -14725,7 +13573,7 @@
     </a:clrScheme>
     <a:fontScheme name="电路">
       <a:majorFont>
-        <a:latin typeface="Tw Cen MT" panose="020B0602020104020603"/>
+        <a:latin typeface="Tw Cen MT"/>
         <a:ea typeface=""/>
         <a:cs typeface=""/>
         <a:font script="Jpan" typeface="ＭＳ Ｐゴシック"/>
@@ -14760,7 +13608,7 @@
         <a:font script="Geor" typeface="Sylfaen"/>
       </a:majorFont>
       <a:minorFont>
-        <a:latin typeface="Tw Cen MT" panose="020B0602020104020603"/>
+        <a:latin typeface="Tw Cen MT"/>
         <a:ea typeface=""/>
         <a:cs typeface=""/>
         <a:font script="Jpan" typeface="ＭＳ Ｐゴシック"/>
@@ -14918,7 +13766,9 @@
               </a:schemeClr>
             </a:duotone>
           </a:blip>
-          <a:stretch/>
+          <a:stretch>
+            <a:fillRect/>
+          </a:stretch>
         </a:blipFill>
       </a:bgFillStyleLst>
     </a:fmtScheme>
@@ -14944,10 +13794,9 @@
       </a:style>
     </a:lnDef>
   </a:objectDefaults>
-  <a:extraClrSchemeLst/>
   <a:extLst>
     <a:ext uri="{05A4C25C-085E-4340-85A3-A5531E510DB2}">
-      <thm15:themeFamily xmlns:thm15="http://schemas.microsoft.com/office/thememl/2012/main" name="Circuit" id="{0AC2F7E7-15F5-431C-B2A2-456FE929F56C}" vid="{0911B802-464C-4241-8DD9-B60FF88E379F}"/>
+      <thm15:themeFamily xmlns:thm15="http://schemas.microsoft.com/office/thememl/2012/main" name="Office Theme" id="{62F939B6-93AF-4DB8-9C6B-D6C7DFDC589F}" vid="{4A3C46E8-61CC-4603-A589-7422A47A8E4A}"/>
     </a:ext>
   </a:extLst>
 </a:theme>

--- a/ppt/1150310613-黄道龙-1150310609-王陈阳.pptx
+++ b/ppt/1150310613-黄道龙-1150310609-王陈阳.pptx
@@ -12548,7 +12548,15 @@
             </a:r>
             <a:r>
               <a:rPr lang="zh-CN" altLang="en-US"/>
-              <a:t>在本次实验中，把IP的每个域值的随机生成区间限定在10以内，时间范围14.40分钟之内的访问日志，共生成了200个日志文件，一共11447562条日志数据。Black_List任务的参数是20秒以内访问次数超过15次，该次任务的执行时间为854.40秒。</a:t>
+              <a:t>在本次实验中，把IP的每个域值的随机生成区间限定在10以内，时间范围14.40分钟之内的访问日志，共生成了200个日志文件，一共11</a:t>
+            </a:r>
+            <a:r>
+              <a:rPr lang="en-US" altLang="zh-CN"/>
+              <a:t>382320</a:t>
+            </a:r>
+            <a:r>
+              <a:rPr lang="zh-CN" altLang="en-US"/>
+              <a:t>条日志数据。Black_List任务的参数是20秒以内访问次数超过15次，该次任务的执行时间为854.40秒。</a:t>
             </a:r>
             <a:endParaRPr lang="zh-CN" altLang="en-US"/>
           </a:p>
